--- a/figure8.pptx
+++ b/figure8.pptx
@@ -7,7 +7,7 @@
   <p:sldIdLst>
     <p:sldId id="256" r:id="rId2"/>
   </p:sldIdLst>
-  <p:sldSz cx="17281525" cy="14603413"/>
+  <p:sldSz cx="17281525" cy="12436475"/>
   <p:notesSz cx="6858000" cy="9144000"/>
   <p:defaultTextStyle>
     <a:defPPr>
@@ -136,8 +136,8 @@
         </p:nvSpPr>
         <p:spPr>
           <a:xfrm>
-            <a:off x="1296116" y="4536526"/>
-            <a:ext cx="14689296" cy="3130269"/>
+            <a:off x="1296116" y="3863372"/>
+            <a:ext cx="14689296" cy="2665781"/>
           </a:xfrm>
         </p:spPr>
         <p:txBody>
@@ -164,8 +164,8 @@
         </p:nvSpPr>
         <p:spPr>
           <a:xfrm>
-            <a:off x="2592230" y="8275270"/>
-            <a:ext cx="12097068" cy="3731983"/>
+            <a:off x="2592230" y="7047338"/>
+            <a:ext cx="12097068" cy="3178210"/>
           </a:xfrm>
         </p:spPr>
         <p:txBody>
@@ -288,7 +288,7 @@
           <a:p>
             <a:fld id="{6F581E4E-433D-4C87-A48B-DCFE33D3777E}" type="datetimeFigureOut">
               <a:rPr lang="en-US" smtClean="0"/>
-              <a:t>9/22/2014</a:t>
+              <a:t>9/25/2014</a:t>
             </a:fld>
             <a:endParaRPr lang="en-US"/>
           </a:p>
@@ -458,7 +458,7 @@
           <a:p>
             <a:fld id="{6F581E4E-433D-4C87-A48B-DCFE33D3777E}" type="datetimeFigureOut">
               <a:rPr lang="en-US" smtClean="0"/>
-              <a:t>9/22/2014</a:t>
+              <a:t>9/25/2014</a:t>
             </a:fld>
             <a:endParaRPr lang="en-US"/>
           </a:p>
@@ -548,8 +548,8 @@
         </p:nvSpPr>
         <p:spPr>
           <a:xfrm>
-            <a:off x="23507076" y="1243996"/>
-            <a:ext cx="7293643" cy="26532915"/>
+            <a:off x="23507081" y="1059405"/>
+            <a:ext cx="7293643" cy="22595811"/>
           </a:xfrm>
         </p:spPr>
         <p:txBody>
@@ -576,8 +576,8 @@
         </p:nvSpPr>
         <p:spPr>
           <a:xfrm>
-            <a:off x="1620145" y="1243996"/>
-            <a:ext cx="21598907" cy="26532915"/>
+            <a:off x="1620150" y="1059405"/>
+            <a:ext cx="21598907" cy="22595811"/>
           </a:xfrm>
         </p:spPr>
         <p:txBody>
@@ -638,7 +638,7 @@
           <a:p>
             <a:fld id="{6F581E4E-433D-4C87-A48B-DCFE33D3777E}" type="datetimeFigureOut">
               <a:rPr lang="en-US" smtClean="0"/>
-              <a:t>9/22/2014</a:t>
+              <a:t>9/25/2014</a:t>
             </a:fld>
             <a:endParaRPr lang="en-US"/>
           </a:p>
@@ -808,7 +808,7 @@
           <a:p>
             <a:fld id="{6F581E4E-433D-4C87-A48B-DCFE33D3777E}" type="datetimeFigureOut">
               <a:rPr lang="en-US" smtClean="0"/>
-              <a:t>9/22/2014</a:t>
+              <a:t>9/25/2014</a:t>
             </a:fld>
             <a:endParaRPr lang="en-US"/>
           </a:p>
@@ -898,8 +898,8 @@
         </p:nvSpPr>
         <p:spPr>
           <a:xfrm>
-            <a:off x="1365121" y="9384046"/>
-            <a:ext cx="14689296" cy="2900400"/>
+            <a:off x="1365121" y="7991588"/>
+            <a:ext cx="14689296" cy="2470022"/>
           </a:xfrm>
         </p:spPr>
         <p:txBody>
@@ -930,8 +930,8 @@
         </p:nvSpPr>
         <p:spPr>
           <a:xfrm>
-            <a:off x="1365121" y="6189550"/>
-            <a:ext cx="14689296" cy="3194496"/>
+            <a:off x="1365121" y="5271110"/>
+            <a:ext cx="14689296" cy="2720479"/>
           </a:xfrm>
         </p:spPr>
         <p:txBody>
@@ -1054,7 +1054,7 @@
           <a:p>
             <a:fld id="{6F581E4E-433D-4C87-A48B-DCFE33D3777E}" type="datetimeFigureOut">
               <a:rPr lang="en-US" smtClean="0"/>
-              <a:t>9/22/2014</a:t>
+              <a:t>9/25/2014</a:t>
             </a:fld>
             <a:endParaRPr lang="en-US"/>
           </a:p>
@@ -1167,8 +1167,8 @@
         </p:nvSpPr>
         <p:spPr>
           <a:xfrm>
-            <a:off x="1620144" y="7254384"/>
-            <a:ext cx="14446276" cy="20522529"/>
+            <a:off x="1620144" y="6177941"/>
+            <a:ext cx="14446276" cy="17477278"/>
           </a:xfrm>
         </p:spPr>
         <p:txBody>
@@ -1252,8 +1252,8 @@
         </p:nvSpPr>
         <p:spPr>
           <a:xfrm>
-            <a:off x="16354444" y="7254384"/>
-            <a:ext cx="14446274" cy="20522529"/>
+            <a:off x="16354444" y="6177941"/>
+            <a:ext cx="14446274" cy="17477278"/>
           </a:xfrm>
         </p:spPr>
         <p:txBody>
@@ -1342,7 +1342,7 @@
           <a:p>
             <a:fld id="{6F581E4E-433D-4C87-A48B-DCFE33D3777E}" type="datetimeFigureOut">
               <a:rPr lang="en-US" smtClean="0"/>
-              <a:t>9/22/2014</a:t>
+              <a:t>9/25/2014</a:t>
             </a:fld>
             <a:endParaRPr lang="en-US"/>
           </a:p>
@@ -1432,8 +1432,8 @@
         </p:nvSpPr>
         <p:spPr>
           <a:xfrm>
-            <a:off x="864077" y="584814"/>
-            <a:ext cx="15553373" cy="2433902"/>
+            <a:off x="864082" y="498036"/>
+            <a:ext cx="15553373" cy="2072746"/>
           </a:xfrm>
         </p:spPr>
         <p:txBody>
@@ -1464,8 +1464,8 @@
         </p:nvSpPr>
         <p:spPr>
           <a:xfrm>
-            <a:off x="864076" y="3268867"/>
-            <a:ext cx="7635675" cy="1362308"/>
+            <a:off x="864081" y="2783815"/>
+            <a:ext cx="7635675" cy="1160162"/>
           </a:xfrm>
         </p:spPr>
         <p:txBody>
@@ -1529,8 +1529,8 @@
         </p:nvSpPr>
         <p:spPr>
           <a:xfrm>
-            <a:off x="864076" y="4631175"/>
-            <a:ext cx="7635675" cy="8413866"/>
+            <a:off x="864081" y="3943977"/>
+            <a:ext cx="7635675" cy="7165368"/>
           </a:xfrm>
         </p:spPr>
         <p:txBody>
@@ -1614,8 +1614,8 @@
         </p:nvSpPr>
         <p:spPr>
           <a:xfrm>
-            <a:off x="8778776" y="3268867"/>
-            <a:ext cx="7638674" cy="1362308"/>
+            <a:off x="8778776" y="2783815"/>
+            <a:ext cx="7638674" cy="1160162"/>
           </a:xfrm>
         </p:spPr>
         <p:txBody>
@@ -1679,8 +1679,8 @@
         </p:nvSpPr>
         <p:spPr>
           <a:xfrm>
-            <a:off x="8778776" y="4631175"/>
-            <a:ext cx="7638674" cy="8413866"/>
+            <a:off x="8778776" y="3943977"/>
+            <a:ext cx="7638674" cy="7165368"/>
           </a:xfrm>
         </p:spPr>
         <p:txBody>
@@ -1769,7 +1769,7 @@
           <a:p>
             <a:fld id="{6F581E4E-433D-4C87-A48B-DCFE33D3777E}" type="datetimeFigureOut">
               <a:rPr lang="en-US" smtClean="0"/>
-              <a:t>9/22/2014</a:t>
+              <a:t>9/25/2014</a:t>
             </a:fld>
             <a:endParaRPr lang="en-US"/>
           </a:p>
@@ -1887,7 +1887,7 @@
           <a:p>
             <a:fld id="{6F581E4E-433D-4C87-A48B-DCFE33D3777E}" type="datetimeFigureOut">
               <a:rPr lang="en-US" smtClean="0"/>
-              <a:t>9/22/2014</a:t>
+              <a:t>9/25/2014</a:t>
             </a:fld>
             <a:endParaRPr lang="en-US"/>
           </a:p>
@@ -1982,7 +1982,7 @@
           <a:p>
             <a:fld id="{6F581E4E-433D-4C87-A48B-DCFE33D3777E}" type="datetimeFigureOut">
               <a:rPr lang="en-US" smtClean="0"/>
-              <a:t>9/22/2014</a:t>
+              <a:t>9/25/2014</a:t>
             </a:fld>
             <a:endParaRPr lang="en-US"/>
           </a:p>
@@ -2072,8 +2072,8 @@
         </p:nvSpPr>
         <p:spPr>
           <a:xfrm>
-            <a:off x="864077" y="581434"/>
-            <a:ext cx="5685504" cy="2474467"/>
+            <a:off x="864077" y="495158"/>
+            <a:ext cx="5685504" cy="2107291"/>
           </a:xfrm>
         </p:spPr>
         <p:txBody>
@@ -2104,8 +2104,8 @@
         </p:nvSpPr>
         <p:spPr>
           <a:xfrm>
-            <a:off x="6756596" y="581433"/>
-            <a:ext cx="9660853" cy="12463608"/>
+            <a:off x="6756601" y="495158"/>
+            <a:ext cx="9660853" cy="10614186"/>
           </a:xfrm>
         </p:spPr>
         <p:txBody>
@@ -2189,8 +2189,8 @@
         </p:nvSpPr>
         <p:spPr>
           <a:xfrm>
-            <a:off x="864077" y="3055903"/>
-            <a:ext cx="5685504" cy="9989141"/>
+            <a:off x="864077" y="2602452"/>
+            <a:ext cx="5685504" cy="8506896"/>
           </a:xfrm>
         </p:spPr>
         <p:txBody>
@@ -2259,7 +2259,7 @@
           <a:p>
             <a:fld id="{6F581E4E-433D-4C87-A48B-DCFE33D3777E}" type="datetimeFigureOut">
               <a:rPr lang="en-US" smtClean="0"/>
-              <a:t>9/22/2014</a:t>
+              <a:t>9/25/2014</a:t>
             </a:fld>
             <a:endParaRPr lang="en-US"/>
           </a:p>
@@ -2349,8 +2349,8 @@
         </p:nvSpPr>
         <p:spPr>
           <a:xfrm>
-            <a:off x="3387301" y="10222391"/>
-            <a:ext cx="10368915" cy="1206811"/>
+            <a:off x="3387306" y="8705537"/>
+            <a:ext cx="10368915" cy="1027737"/>
           </a:xfrm>
         </p:spPr>
         <p:txBody>
@@ -2381,8 +2381,8 @@
         </p:nvSpPr>
         <p:spPr>
           <a:xfrm>
-            <a:off x="3387301" y="1304842"/>
-            <a:ext cx="10368915" cy="8762048"/>
+            <a:off x="3387306" y="1111222"/>
+            <a:ext cx="10368915" cy="7461885"/>
           </a:xfrm>
         </p:spPr>
         <p:txBody>
@@ -2442,8 +2442,8 @@
         </p:nvSpPr>
         <p:spPr>
           <a:xfrm>
-            <a:off x="3387301" y="11429200"/>
-            <a:ext cx="10368915" cy="1713872"/>
+            <a:off x="3387306" y="9733272"/>
+            <a:ext cx="10368915" cy="1459557"/>
           </a:xfrm>
         </p:spPr>
         <p:txBody>
@@ -2512,7 +2512,7 @@
           <a:p>
             <a:fld id="{6F581E4E-433D-4C87-A48B-DCFE33D3777E}" type="datetimeFigureOut">
               <a:rPr lang="en-US" smtClean="0"/>
-              <a:t>9/22/2014</a:t>
+              <a:t>9/25/2014</a:t>
             </a:fld>
             <a:endParaRPr lang="en-US"/>
           </a:p>
@@ -2607,8 +2607,8 @@
         </p:nvSpPr>
         <p:spPr>
           <a:xfrm>
-            <a:off x="864077" y="584814"/>
-            <a:ext cx="15553373" cy="2433902"/>
+            <a:off x="864082" y="498036"/>
+            <a:ext cx="15553373" cy="2072746"/>
           </a:xfrm>
           <a:prstGeom prst="rect">
             <a:avLst/>
@@ -2640,8 +2640,8 @@
         </p:nvSpPr>
         <p:spPr>
           <a:xfrm>
-            <a:off x="864077" y="3407464"/>
-            <a:ext cx="15553373" cy="9637578"/>
+            <a:off x="864082" y="2901849"/>
+            <a:ext cx="15553373" cy="8207499"/>
           </a:xfrm>
           <a:prstGeom prst="rect">
             <a:avLst/>
@@ -2702,8 +2702,8 @@
         </p:nvSpPr>
         <p:spPr>
           <a:xfrm>
-            <a:off x="864077" y="13535203"/>
-            <a:ext cx="4032357" cy="777497"/>
+            <a:off x="864082" y="11526774"/>
+            <a:ext cx="4032357" cy="662126"/>
           </a:xfrm>
           <a:prstGeom prst="rect">
             <a:avLst/>
@@ -2725,7 +2725,7 @@
           <a:p>
             <a:fld id="{6F581E4E-433D-4C87-A48B-DCFE33D3777E}" type="datetimeFigureOut">
               <a:rPr lang="en-US" smtClean="0"/>
-              <a:t>9/22/2014</a:t>
+              <a:t>9/25/2014</a:t>
             </a:fld>
             <a:endParaRPr lang="en-US"/>
           </a:p>
@@ -2743,8 +2743,8 @@
         </p:nvSpPr>
         <p:spPr>
           <a:xfrm>
-            <a:off x="5904523" y="13535203"/>
-            <a:ext cx="5472482" cy="777497"/>
+            <a:off x="5904523" y="11526774"/>
+            <a:ext cx="5472482" cy="662126"/>
           </a:xfrm>
           <a:prstGeom prst="rect">
             <a:avLst/>
@@ -2780,8 +2780,8 @@
         </p:nvSpPr>
         <p:spPr>
           <a:xfrm>
-            <a:off x="12385093" y="13535203"/>
-            <a:ext cx="4032357" cy="777497"/>
+            <a:off x="12385098" y="11526774"/>
+            <a:ext cx="4032357" cy="662126"/>
           </a:xfrm>
           <a:prstGeom prst="rect">
             <a:avLst/>
@@ -3102,7 +3102,7 @@
       </p:grpSpPr>
       <p:pic>
         <p:nvPicPr>
-          <p:cNvPr id="87" name="Picture 86"/>
+          <p:cNvPr id="191" name="Picture 190"/>
           <p:cNvPicPr>
             <a:picLocks noChangeAspect="1"/>
           </p:cNvPicPr>
@@ -3121,38 +3121,8 @@
           </a:stretch>
         </p:blipFill>
         <p:spPr>
-          <a:xfrm>
-            <a:off x="666921" y="798584"/>
-            <a:ext cx="8211696" cy="6897063"/>
-          </a:xfrm>
-          <a:prstGeom prst="rect">
-            <a:avLst/>
-          </a:prstGeom>
-        </p:spPr>
-      </p:pic>
-      <p:pic>
-        <p:nvPicPr>
-          <p:cNvPr id="88" name="Picture 87"/>
-          <p:cNvPicPr>
-            <a:picLocks noChangeAspect="1"/>
-          </p:cNvPicPr>
-          <p:nvPr/>
-        </p:nvPicPr>
-        <p:blipFill>
-          <a:blip r:embed="rId3">
-            <a:extLst>
-              <a:ext uri="{28A0092B-C50C-407E-A947-70E740481C1C}">
-                <a14:useLocalDpi xmlns:a14="http://schemas.microsoft.com/office/drawing/2010/main" val="0"/>
-              </a:ext>
-            </a:extLst>
-          </a:blip>
-          <a:stretch>
-            <a:fillRect/>
-          </a:stretch>
-        </p:blipFill>
-        <p:spPr>
           <a:xfrm flipV="1">
-            <a:off x="9074512" y="1865865"/>
+            <a:off x="9074512" y="1337094"/>
             <a:ext cx="8099178" cy="5376443"/>
           </a:xfrm>
           <a:prstGeom prst="rect">
@@ -3162,376 +3132,200 @@
             <a:solidFill>
               <a:srgbClr val="05314B"/>
             </a:solidFill>
-            <a:prstDash val="dash"/>
+            <a:prstDash val="solid"/>
           </a:ln>
         </p:spPr>
       </p:pic>
-      <p:cxnSp>
-        <p:nvCxnSpPr>
-          <p:cNvPr id="89" name="Straight Connector 88"/>
-          <p:cNvCxnSpPr/>
-          <p:nvPr/>
-        </p:nvCxnSpPr>
-        <p:spPr>
-          <a:xfrm>
-            <a:off x="1877169" y="1164877"/>
-            <a:ext cx="6563298" cy="2838932"/>
-          </a:xfrm>
-          <a:prstGeom prst="line">
-            <a:avLst/>
-          </a:prstGeom>
-          <a:ln w="76200">
-            <a:solidFill>
-              <a:srgbClr val="05314B"/>
-            </a:solidFill>
-            <a:prstDash val="sysDash"/>
-          </a:ln>
-        </p:spPr>
-        <p:style>
-          <a:lnRef idx="1">
-            <a:schemeClr val="accent1"/>
-          </a:lnRef>
-          <a:fillRef idx="0">
-            <a:schemeClr val="accent1"/>
-          </a:fillRef>
-          <a:effectRef idx="0">
-            <a:schemeClr val="accent1"/>
-          </a:effectRef>
-          <a:fontRef idx="minor">
-            <a:schemeClr val="tx1"/>
-          </a:fontRef>
-        </p:style>
-      </p:cxnSp>
-      <p:sp>
-        <p:nvSpPr>
-          <p:cNvPr id="90" name="Freeform 89"/>
-          <p:cNvSpPr/>
-          <p:nvPr/>
-        </p:nvSpPr>
-        <p:spPr>
-          <a:xfrm>
-            <a:off x="1901268" y="1164878"/>
-            <a:ext cx="7143750" cy="6134100"/>
-          </a:xfrm>
-          <a:custGeom>
-            <a:avLst/>
-            <a:gdLst>
-              <a:gd name="connsiteX0" fmla="*/ 0 w 7143750"/>
-              <a:gd name="connsiteY0" fmla="*/ 0 h 6134100"/>
-              <a:gd name="connsiteX1" fmla="*/ 7143750 w 7143750"/>
-              <a:gd name="connsiteY1" fmla="*/ 647700 h 6134100"/>
-              <a:gd name="connsiteX2" fmla="*/ 7143750 w 7143750"/>
-              <a:gd name="connsiteY2" fmla="*/ 6134100 h 6134100"/>
-              <a:gd name="connsiteX3" fmla="*/ 5810250 w 7143750"/>
-              <a:gd name="connsiteY3" fmla="*/ 5314950 h 6134100"/>
-              <a:gd name="connsiteX4" fmla="*/ 6629400 w 7143750"/>
-              <a:gd name="connsiteY4" fmla="*/ 2895600 h 6134100"/>
-              <a:gd name="connsiteX5" fmla="*/ 38100 w 7143750"/>
-              <a:gd name="connsiteY5" fmla="*/ 38100 h 6134100"/>
-            </a:gdLst>
-            <a:ahLst/>
-            <a:cxnLst>
-              <a:cxn ang="0">
-                <a:pos x="connsiteX0" y="connsiteY0"/>
-              </a:cxn>
-              <a:cxn ang="0">
-                <a:pos x="connsiteX1" y="connsiteY1"/>
-              </a:cxn>
-              <a:cxn ang="0">
-                <a:pos x="connsiteX2" y="connsiteY2"/>
-              </a:cxn>
-              <a:cxn ang="0">
-                <a:pos x="connsiteX3" y="connsiteY3"/>
-              </a:cxn>
-              <a:cxn ang="0">
-                <a:pos x="connsiteX4" y="connsiteY4"/>
-              </a:cxn>
-              <a:cxn ang="0">
-                <a:pos x="connsiteX5" y="connsiteY5"/>
-              </a:cxn>
-            </a:cxnLst>
-            <a:rect l="l" t="t" r="r" b="b"/>
-            <a:pathLst>
-              <a:path w="7143750" h="6134100">
-                <a:moveTo>
-                  <a:pt x="0" y="0"/>
-                </a:moveTo>
-                <a:lnTo>
-                  <a:pt x="7143750" y="647700"/>
-                </a:lnTo>
-                <a:lnTo>
-                  <a:pt x="7143750" y="6134100"/>
-                </a:lnTo>
-                <a:lnTo>
-                  <a:pt x="5810250" y="5314950"/>
-                </a:lnTo>
-                <a:lnTo>
-                  <a:pt x="6629400" y="2895600"/>
-                </a:lnTo>
-                <a:lnTo>
-                  <a:pt x="38100" y="38100"/>
-                </a:lnTo>
-              </a:path>
-            </a:pathLst>
-          </a:custGeom>
-          <a:solidFill>
-            <a:srgbClr val="66C2A4">
-              <a:alpha val="21000"/>
-            </a:srgbClr>
-          </a:solidFill>
-          <a:ln>
-            <a:prstDash val="sysDash"/>
-          </a:ln>
-        </p:spPr>
-        <p:style>
-          <a:lnRef idx="2">
-            <a:schemeClr val="accent1">
-              <a:shade val="50000"/>
-            </a:schemeClr>
-          </a:lnRef>
-          <a:fillRef idx="1">
-            <a:schemeClr val="accent1"/>
-          </a:fillRef>
-          <a:effectRef idx="0">
-            <a:schemeClr val="accent1"/>
-          </a:effectRef>
-          <a:fontRef idx="minor">
-            <a:schemeClr val="lt1"/>
-          </a:fontRef>
-        </p:style>
-        <p:txBody>
-          <a:bodyPr rtlCol="0" anchor="ctr"/>
-          <a:lstStyle/>
-          <a:p>
-            <a:pPr algn="ctr"/>
-            <a:endParaRPr lang="en-US"/>
-          </a:p>
-        </p:txBody>
-      </p:sp>
-      <p:cxnSp>
-        <p:nvCxnSpPr>
-          <p:cNvPr id="91" name="Straight Connector 90"/>
-          <p:cNvCxnSpPr/>
-          <p:nvPr/>
-        </p:nvCxnSpPr>
-        <p:spPr>
-          <a:xfrm flipV="1">
-            <a:off x="7706469" y="4003812"/>
-            <a:ext cx="810198" cy="2391014"/>
-          </a:xfrm>
-          <a:prstGeom prst="line">
-            <a:avLst/>
-          </a:prstGeom>
-          <a:ln w="76200">
-            <a:solidFill>
-              <a:srgbClr val="05314B"/>
-            </a:solidFill>
-            <a:prstDash val="sysDash"/>
-          </a:ln>
-        </p:spPr>
-        <p:style>
-          <a:lnRef idx="1">
-            <a:schemeClr val="accent1"/>
-          </a:lnRef>
-          <a:fillRef idx="0">
-            <a:schemeClr val="accent1"/>
-          </a:fillRef>
-          <a:effectRef idx="0">
-            <a:schemeClr val="accent1"/>
-          </a:effectRef>
-          <a:fontRef idx="minor">
-            <a:schemeClr val="tx1"/>
-          </a:fontRef>
-        </p:style>
-      </p:cxnSp>
-      <p:cxnSp>
-        <p:nvCxnSpPr>
-          <p:cNvPr id="92" name="Straight Connector 91"/>
-          <p:cNvCxnSpPr/>
-          <p:nvPr/>
-        </p:nvCxnSpPr>
-        <p:spPr>
-          <a:xfrm flipV="1">
-            <a:off x="1439019" y="1164878"/>
-            <a:ext cx="462249" cy="1901138"/>
-          </a:xfrm>
-          <a:prstGeom prst="line">
-            <a:avLst/>
-          </a:prstGeom>
-          <a:ln w="76200">
-            <a:solidFill>
-              <a:srgbClr val="05314B"/>
-            </a:solidFill>
-            <a:prstDash val="sysDash"/>
-          </a:ln>
-        </p:spPr>
-        <p:style>
-          <a:lnRef idx="1">
-            <a:schemeClr val="accent1"/>
-          </a:lnRef>
-          <a:fillRef idx="0">
-            <a:schemeClr val="accent1"/>
-          </a:fillRef>
-          <a:effectRef idx="0">
-            <a:schemeClr val="accent1"/>
-          </a:effectRef>
-          <a:fontRef idx="minor">
-            <a:schemeClr val="tx1"/>
-          </a:fontRef>
-        </p:style>
-      </p:cxnSp>
-      <p:cxnSp>
-        <p:nvCxnSpPr>
-          <p:cNvPr id="93" name="Straight Connector 92"/>
-          <p:cNvCxnSpPr/>
-          <p:nvPr/>
-        </p:nvCxnSpPr>
-        <p:spPr>
-          <a:xfrm flipH="1" flipV="1">
-            <a:off x="6087219" y="5685632"/>
-            <a:ext cx="1619250" cy="709194"/>
-          </a:xfrm>
-          <a:prstGeom prst="line">
-            <a:avLst/>
-          </a:prstGeom>
-          <a:ln w="76200">
-            <a:solidFill>
-              <a:schemeClr val="tx1"/>
-            </a:solidFill>
-            <a:prstDash val="sysDash"/>
-          </a:ln>
-        </p:spPr>
-        <p:style>
-          <a:lnRef idx="1">
-            <a:schemeClr val="accent1"/>
-          </a:lnRef>
-          <a:fillRef idx="0">
-            <a:schemeClr val="accent1"/>
-          </a:fillRef>
-          <a:effectRef idx="0">
-            <a:schemeClr val="accent1"/>
-          </a:effectRef>
-          <a:fontRef idx="minor">
-            <a:schemeClr val="tx1"/>
-          </a:fontRef>
-        </p:style>
-      </p:cxnSp>
-      <p:sp>
-        <p:nvSpPr>
-          <p:cNvPr id="94" name="Oval 93"/>
-          <p:cNvSpPr>
-            <a:spLocks noChangeAspect="1"/>
-          </p:cNvSpPr>
-          <p:nvPr/>
-        </p:nvSpPr>
-        <p:spPr>
-          <a:xfrm rot="21412303">
-            <a:off x="1775466" y="1703967"/>
-            <a:ext cx="822960" cy="822960"/>
-          </a:xfrm>
-          <a:prstGeom prst="ellipse">
-            <a:avLst/>
-          </a:prstGeom>
-          <a:solidFill>
-            <a:srgbClr val="884597"/>
-          </a:solidFill>
-          <a:ln w="57150">
-            <a:solidFill>
-              <a:schemeClr val="tx1"/>
-            </a:solidFill>
-          </a:ln>
-        </p:spPr>
-        <p:style>
-          <a:lnRef idx="2">
-            <a:schemeClr val="accent1">
-              <a:shade val="50000"/>
-            </a:schemeClr>
-          </a:lnRef>
-          <a:fillRef idx="1">
-            <a:schemeClr val="accent1"/>
-          </a:fillRef>
-          <a:effectRef idx="0">
-            <a:schemeClr val="accent1"/>
-          </a:effectRef>
-          <a:fontRef idx="minor">
-            <a:schemeClr val="lt1"/>
-          </a:fontRef>
-        </p:style>
-        <p:txBody>
-          <a:bodyPr rtlCol="0" anchor="ctr"/>
-          <a:lstStyle/>
-          <a:p>
-            <a:pPr algn="ctr"/>
-            <a:r>
-              <a:rPr lang="en-US" sz="4400" dirty="0">
-                <a:solidFill>
-                  <a:sysClr val="windowText" lastClr="000000"/>
-                </a:solidFill>
-              </a:rPr>
-              <a:t>7</a:t>
-            </a:r>
-            <a:endParaRPr lang="en-US" dirty="0">
-              <a:solidFill>
-                <a:sysClr val="windowText" lastClr="000000"/>
-              </a:solidFill>
-            </a:endParaRPr>
-          </a:p>
-        </p:txBody>
-      </p:sp>
-      <p:cxnSp>
-        <p:nvCxnSpPr>
-          <p:cNvPr id="95" name="Straight Connector 94"/>
-          <p:cNvCxnSpPr>
-            <a:endCxn id="94" idx="5"/>
-          </p:cNvCxnSpPr>
-          <p:nvPr/>
-        </p:nvCxnSpPr>
-        <p:spPr>
-          <a:xfrm flipH="1" flipV="1">
-            <a:off x="2493351" y="2390095"/>
-            <a:ext cx="756666" cy="481868"/>
-          </a:xfrm>
-          <a:prstGeom prst="line">
-            <a:avLst/>
-          </a:prstGeom>
-          <a:ln w="57150" cap="rnd">
-            <a:solidFill>
-              <a:schemeClr val="tx1"/>
-            </a:solidFill>
-          </a:ln>
-        </p:spPr>
-        <p:style>
-          <a:lnRef idx="1">
-            <a:schemeClr val="accent1"/>
-          </a:lnRef>
-          <a:fillRef idx="0">
-            <a:schemeClr val="accent1"/>
-          </a:fillRef>
-          <a:effectRef idx="0">
-            <a:schemeClr val="accent1"/>
-          </a:effectRef>
-          <a:fontRef idx="minor">
-            <a:schemeClr val="tx1"/>
-          </a:fontRef>
-        </p:style>
-      </p:cxnSp>
       <p:grpSp>
         <p:nvGrpSpPr>
-          <p:cNvPr id="96" name="Group 95"/>
+          <p:cNvPr id="192" name="Group 191"/>
           <p:cNvGrpSpPr/>
           <p:nvPr/>
         </p:nvGrpSpPr>
         <p:grpSpPr>
           <a:xfrm>
-            <a:off x="10005117" y="1927284"/>
-            <a:ext cx="822960" cy="1407489"/>
-            <a:chOff x="7806498" y="8686800"/>
-            <a:chExt cx="822960" cy="1407489"/>
+            <a:off x="666921" y="1362127"/>
+            <a:ext cx="7109175" cy="5558579"/>
+            <a:chOff x="666921" y="1164877"/>
+            <a:chExt cx="7849746" cy="6137623"/>
           </a:xfrm>
         </p:grpSpPr>
+        <p:pic>
+          <p:nvPicPr>
+            <p:cNvPr id="193" name="Picture 192"/>
+            <p:cNvPicPr>
+              <a:picLocks noChangeAspect="1"/>
+            </p:cNvPicPr>
+            <p:nvPr/>
+          </p:nvPicPr>
+          <p:blipFill rotWithShape="1">
+            <a:blip r:embed="rId3">
+              <a:extLst>
+                <a:ext uri="{28A0092B-C50C-407E-A947-70E740481C1C}">
+                  <a14:useLocalDpi xmlns:a14="http://schemas.microsoft.com/office/drawing/2010/main" val="0"/>
+                </a:ext>
+              </a:extLst>
+            </a:blip>
+            <a:srcRect t="9690" r="5570" b="5700"/>
+            <a:stretch/>
+          </p:blipFill>
+          <p:spPr>
+            <a:xfrm>
+              <a:off x="666921" y="1466849"/>
+              <a:ext cx="7754365" cy="5835651"/>
+            </a:xfrm>
+            <a:prstGeom prst="rect">
+              <a:avLst/>
+            </a:prstGeom>
+          </p:spPr>
+        </p:pic>
+        <p:cxnSp>
+          <p:nvCxnSpPr>
+            <p:cNvPr id="194" name="Straight Connector 193"/>
+            <p:cNvCxnSpPr/>
+            <p:nvPr/>
+          </p:nvCxnSpPr>
+          <p:spPr>
+            <a:xfrm>
+              <a:off x="1877169" y="1164877"/>
+              <a:ext cx="6563298" cy="2838932"/>
+            </a:xfrm>
+            <a:prstGeom prst="line">
+              <a:avLst/>
+            </a:prstGeom>
+            <a:ln w="76200">
+              <a:solidFill>
+                <a:srgbClr val="05314B"/>
+              </a:solidFill>
+              <a:prstDash val="sysDash"/>
+            </a:ln>
+          </p:spPr>
+          <p:style>
+            <a:lnRef idx="1">
+              <a:schemeClr val="accent1"/>
+            </a:lnRef>
+            <a:fillRef idx="0">
+              <a:schemeClr val="accent1"/>
+            </a:fillRef>
+            <a:effectRef idx="0">
+              <a:schemeClr val="accent1"/>
+            </a:effectRef>
+            <a:fontRef idx="minor">
+              <a:schemeClr val="tx1"/>
+            </a:fontRef>
+          </p:style>
+        </p:cxnSp>
+        <p:cxnSp>
+          <p:nvCxnSpPr>
+            <p:cNvPr id="195" name="Straight Connector 194"/>
+            <p:cNvCxnSpPr/>
+            <p:nvPr/>
+          </p:nvCxnSpPr>
+          <p:spPr>
+            <a:xfrm flipV="1">
+              <a:off x="7706469" y="4003812"/>
+              <a:ext cx="810198" cy="2391014"/>
+            </a:xfrm>
+            <a:prstGeom prst="line">
+              <a:avLst/>
+            </a:prstGeom>
+            <a:ln w="76200">
+              <a:solidFill>
+                <a:srgbClr val="05314B"/>
+              </a:solidFill>
+              <a:prstDash val="sysDash"/>
+            </a:ln>
+          </p:spPr>
+          <p:style>
+            <a:lnRef idx="1">
+              <a:schemeClr val="accent1"/>
+            </a:lnRef>
+            <a:fillRef idx="0">
+              <a:schemeClr val="accent1"/>
+            </a:fillRef>
+            <a:effectRef idx="0">
+              <a:schemeClr val="accent1"/>
+            </a:effectRef>
+            <a:fontRef idx="minor">
+              <a:schemeClr val="tx1"/>
+            </a:fontRef>
+          </p:style>
+        </p:cxnSp>
+        <p:cxnSp>
+          <p:nvCxnSpPr>
+            <p:cNvPr id="196" name="Straight Connector 195"/>
+            <p:cNvCxnSpPr/>
+            <p:nvPr/>
+          </p:nvCxnSpPr>
+          <p:spPr>
+            <a:xfrm flipV="1">
+              <a:off x="1439019" y="1164878"/>
+              <a:ext cx="462249" cy="1901138"/>
+            </a:xfrm>
+            <a:prstGeom prst="line">
+              <a:avLst/>
+            </a:prstGeom>
+            <a:ln w="76200">
+              <a:solidFill>
+                <a:srgbClr val="05314B"/>
+              </a:solidFill>
+              <a:prstDash val="sysDash"/>
+            </a:ln>
+          </p:spPr>
+          <p:style>
+            <a:lnRef idx="1">
+              <a:schemeClr val="accent1"/>
+            </a:lnRef>
+            <a:fillRef idx="0">
+              <a:schemeClr val="accent1"/>
+            </a:fillRef>
+            <a:effectRef idx="0">
+              <a:schemeClr val="accent1"/>
+            </a:effectRef>
+            <a:fontRef idx="minor">
+              <a:schemeClr val="tx1"/>
+            </a:fontRef>
+          </p:style>
+        </p:cxnSp>
+        <p:cxnSp>
+          <p:nvCxnSpPr>
+            <p:cNvPr id="197" name="Straight Connector 196"/>
+            <p:cNvCxnSpPr/>
+            <p:nvPr/>
+          </p:nvCxnSpPr>
+          <p:spPr>
+            <a:xfrm flipH="1" flipV="1">
+              <a:off x="6087219" y="5685632"/>
+              <a:ext cx="1619250" cy="709194"/>
+            </a:xfrm>
+            <a:prstGeom prst="line">
+              <a:avLst/>
+            </a:prstGeom>
+            <a:ln w="76200">
+              <a:solidFill>
+                <a:schemeClr val="tx1"/>
+              </a:solidFill>
+              <a:prstDash val="sysDash"/>
+            </a:ln>
+          </p:spPr>
+          <p:style>
+            <a:lnRef idx="1">
+              <a:schemeClr val="accent1"/>
+            </a:lnRef>
+            <a:fillRef idx="0">
+              <a:schemeClr val="accent1"/>
+            </a:fillRef>
+            <a:effectRef idx="0">
+              <a:schemeClr val="accent1"/>
+            </a:effectRef>
+            <a:fontRef idx="minor">
+              <a:schemeClr val="tx1"/>
+            </a:fontRef>
+          </p:style>
+        </p:cxnSp>
         <p:sp>
           <p:nvSpPr>
-            <p:cNvPr id="113" name="Oval 112"/>
+            <p:cNvPr id="198" name="Oval 197"/>
             <p:cNvSpPr>
               <a:spLocks noChangeAspect="1"/>
             </p:cNvSpPr>
@@ -3539,7 +3333,7 @@
           </p:nvSpPr>
           <p:spPr>
             <a:xfrm>
-              <a:off x="7806498" y="8686800"/>
+              <a:off x="1775466" y="1703967"/>
               <a:ext cx="822960" cy="822960"/>
             </a:xfrm>
             <a:prstGeom prst="ellipse">
@@ -3593,14 +3387,16 @@
         </p:sp>
         <p:cxnSp>
           <p:nvCxnSpPr>
-            <p:cNvPr id="114" name="Straight Connector 113"/>
-            <p:cNvCxnSpPr/>
+            <p:cNvPr id="199" name="Straight Connector 198"/>
+            <p:cNvCxnSpPr>
+              <a:endCxn id="198" idx="5"/>
+            </p:cNvCxnSpPr>
             <p:nvPr/>
           </p:nvCxnSpPr>
           <p:spPr>
-            <a:xfrm flipV="1">
-              <a:off x="8217978" y="9509761"/>
-              <a:ext cx="0" cy="584528"/>
+            <a:xfrm flipH="1" flipV="1">
+              <a:off x="2477906" y="2406407"/>
+              <a:ext cx="772112" cy="465557"/>
             </a:xfrm>
             <a:prstGeom prst="line">
               <a:avLst/>
@@ -3629,21 +3425,135 @@
       </p:grpSp>
       <p:grpSp>
         <p:nvGrpSpPr>
-          <p:cNvPr id="3" name="Group 2"/>
+          <p:cNvPr id="200" name="Group 199"/>
           <p:cNvGrpSpPr/>
           <p:nvPr/>
         </p:nvGrpSpPr>
         <p:grpSpPr>
           <a:xfrm>
-            <a:off x="10710599" y="8731123"/>
-            <a:ext cx="6540763" cy="5457158"/>
+            <a:off x="10005117" y="1332441"/>
+            <a:ext cx="749808" cy="1407489"/>
+            <a:chOff x="7806498" y="8686800"/>
+            <a:chExt cx="749808" cy="1407489"/>
+          </a:xfrm>
+        </p:grpSpPr>
+        <p:sp>
+          <p:nvSpPr>
+            <p:cNvPr id="201" name="Oval 200"/>
+            <p:cNvSpPr>
+              <a:spLocks noChangeAspect="1"/>
+            </p:cNvSpPr>
+            <p:nvPr/>
+          </p:nvSpPr>
+          <p:spPr>
+            <a:xfrm>
+              <a:off x="7806498" y="8686800"/>
+              <a:ext cx="749808" cy="749808"/>
+            </a:xfrm>
+            <a:prstGeom prst="ellipse">
+              <a:avLst/>
+            </a:prstGeom>
+            <a:solidFill>
+              <a:srgbClr val="884597"/>
+            </a:solidFill>
+            <a:ln w="57150">
+              <a:solidFill>
+                <a:schemeClr val="tx1"/>
+              </a:solidFill>
+            </a:ln>
+          </p:spPr>
+          <p:style>
+            <a:lnRef idx="2">
+              <a:schemeClr val="accent1">
+                <a:shade val="50000"/>
+              </a:schemeClr>
+            </a:lnRef>
+            <a:fillRef idx="1">
+              <a:schemeClr val="accent1"/>
+            </a:fillRef>
+            <a:effectRef idx="0">
+              <a:schemeClr val="accent1"/>
+            </a:effectRef>
+            <a:fontRef idx="minor">
+              <a:schemeClr val="lt1"/>
+            </a:fontRef>
+          </p:style>
+          <p:txBody>
+            <a:bodyPr rtlCol="0" anchor="ctr"/>
+            <a:lstStyle/>
+            <a:p>
+              <a:pPr algn="ctr"/>
+              <a:r>
+                <a:rPr lang="en-US" sz="4400" dirty="0">
+                  <a:solidFill>
+                    <a:sysClr val="windowText" lastClr="000000"/>
+                  </a:solidFill>
+                </a:rPr>
+                <a:t>7</a:t>
+              </a:r>
+              <a:endParaRPr lang="en-US" dirty="0">
+                <a:solidFill>
+                  <a:sysClr val="windowText" lastClr="000000"/>
+                </a:solidFill>
+              </a:endParaRPr>
+            </a:p>
+          </p:txBody>
+        </p:sp>
+        <p:cxnSp>
+          <p:nvCxnSpPr>
+            <p:cNvPr id="202" name="Straight Connector 201"/>
+            <p:cNvCxnSpPr>
+              <a:endCxn id="201" idx="4"/>
+            </p:cNvCxnSpPr>
+            <p:nvPr/>
+          </p:nvCxnSpPr>
+          <p:spPr>
+            <a:xfrm flipV="1">
+              <a:off x="8181402" y="9436608"/>
+              <a:ext cx="0" cy="657681"/>
+            </a:xfrm>
+            <a:prstGeom prst="line">
+              <a:avLst/>
+            </a:prstGeom>
+            <a:ln w="57150" cap="rnd">
+              <a:solidFill>
+                <a:schemeClr val="tx1"/>
+              </a:solidFill>
+            </a:ln>
+          </p:spPr>
+          <p:style>
+            <a:lnRef idx="1">
+              <a:schemeClr val="accent1"/>
+            </a:lnRef>
+            <a:fillRef idx="0">
+              <a:schemeClr val="accent1"/>
+            </a:fillRef>
+            <a:effectRef idx="0">
+              <a:schemeClr val="accent1"/>
+            </a:effectRef>
+            <a:fontRef idx="minor">
+              <a:schemeClr val="tx1"/>
+            </a:fontRef>
+          </p:style>
+        </p:cxnSp>
+      </p:grpSp>
+      <p:grpSp>
+        <p:nvGrpSpPr>
+          <p:cNvPr id="203" name="Group 202"/>
+          <p:cNvGrpSpPr/>
+          <p:nvPr/>
+        </p:nvGrpSpPr>
+        <p:grpSpPr>
+          <a:xfrm>
+            <a:off x="12158399" y="7747843"/>
+            <a:ext cx="5092963" cy="4249214"/>
             <a:chOff x="10494759" y="7577450"/>
             <a:chExt cx="6678932" cy="5572437"/>
           </a:xfrm>
         </p:grpSpPr>
         <p:pic>
           <p:nvPicPr>
-            <p:cNvPr id="86" name="Picture 85"/>
+            <p:cNvPr id="204" name="Picture 203"/>
             <p:cNvPicPr>
               <a:picLocks noChangeAspect="1"/>
             </p:cNvPicPr>
@@ -3672,21 +3582,21 @@
         </p:pic>
         <p:grpSp>
           <p:nvGrpSpPr>
-            <p:cNvPr id="97" name="Group 96"/>
+            <p:cNvPr id="205" name="Group 204"/>
             <p:cNvGrpSpPr/>
             <p:nvPr/>
           </p:nvGrpSpPr>
           <p:grpSpPr>
             <a:xfrm>
-              <a:off x="14533034" y="8089054"/>
-              <a:ext cx="822960" cy="1407489"/>
-              <a:chOff x="7806498" y="8686800"/>
-              <a:chExt cx="822960" cy="1407489"/>
+              <a:off x="14533033" y="8089053"/>
+              <a:ext cx="983301" cy="1579555"/>
+              <a:chOff x="7806497" y="8686799"/>
+              <a:chExt cx="983301" cy="1579555"/>
             </a:xfrm>
           </p:grpSpPr>
           <p:sp>
             <p:nvSpPr>
-              <p:cNvPr id="111" name="Oval 110"/>
+              <p:cNvPr id="206" name="Oval 205"/>
               <p:cNvSpPr>
                 <a:spLocks noChangeAspect="1"/>
               </p:cNvSpPr>
@@ -3694,8 +3604,8 @@
             </p:nvSpPr>
             <p:spPr>
               <a:xfrm>
-                <a:off x="7806498" y="8686800"/>
-                <a:ext cx="822960" cy="822960"/>
+                <a:off x="7806497" y="8686799"/>
+                <a:ext cx="983301" cy="983301"/>
               </a:xfrm>
               <a:prstGeom prst="ellipse">
                 <a:avLst/>
@@ -3748,13 +3658,13 @@
           </p:sp>
           <p:cxnSp>
             <p:nvCxnSpPr>
-              <p:cNvPr id="112" name="Straight Connector 111"/>
+              <p:cNvPr id="207" name="Straight Connector 206"/>
               <p:cNvCxnSpPr/>
               <p:nvPr/>
             </p:nvCxnSpPr>
             <p:spPr>
               <a:xfrm flipV="1">
-                <a:off x="8217978" y="9509761"/>
+                <a:off x="8298147" y="9681826"/>
                 <a:ext cx="0" cy="584528"/>
               </a:xfrm>
               <a:prstGeom prst="line">
@@ -3785,22 +3695,20 @@
       </p:grpSp>
       <p:sp>
         <p:nvSpPr>
-          <p:cNvPr id="98" name="Flowchart: Alternate Process 97"/>
+          <p:cNvPr id="208" name="Flowchart: Alternate Process 207"/>
           <p:cNvSpPr/>
           <p:nvPr/>
         </p:nvSpPr>
         <p:spPr>
           <a:xfrm>
-            <a:off x="9290070" y="8101552"/>
-            <a:ext cx="7883620" cy="872537"/>
+            <a:off x="9290070" y="7135563"/>
+            <a:ext cx="7883620" cy="822960"/>
           </a:xfrm>
           <a:prstGeom prst="flowChartAlternateProcess">
             <a:avLst/>
           </a:prstGeom>
           <a:solidFill>
-            <a:srgbClr val="66C2A4">
-              <a:alpha val="45000"/>
-            </a:srgbClr>
+            <a:srgbClr val="E7E6E6"/>
           </a:solidFill>
           <a:ln>
             <a:noFill/>
@@ -3828,7 +3736,7 @@
           <a:p>
             <a:pPr algn="ctr"/>
             <a:r>
-              <a:rPr lang="en-US" sz="4800" dirty="0">
+              <a:rPr lang="en-US" sz="4400" dirty="0">
                 <a:solidFill>
                   <a:srgbClr val="238B45"/>
                 </a:solidFill>
@@ -3840,22 +3748,20 @@
       </p:sp>
       <p:sp>
         <p:nvSpPr>
-          <p:cNvPr id="99" name="Flowchart: Alternate Process 98"/>
+          <p:cNvPr id="209" name="Flowchart: Alternate Process 208"/>
           <p:cNvSpPr/>
           <p:nvPr/>
         </p:nvSpPr>
         <p:spPr>
           <a:xfrm>
-            <a:off x="9318206" y="222625"/>
-            <a:ext cx="7855484" cy="872537"/>
+            <a:off x="9318206" y="272202"/>
+            <a:ext cx="7855484" cy="822960"/>
           </a:xfrm>
           <a:prstGeom prst="flowChartAlternateProcess">
             <a:avLst/>
           </a:prstGeom>
           <a:solidFill>
-            <a:srgbClr val="66C2A4">
-              <a:alpha val="45000"/>
-            </a:srgbClr>
+            <a:srgbClr val="E7E6E6"/>
           </a:solidFill>
           <a:ln>
             <a:noFill/>
@@ -3883,7 +3789,7 @@
           <a:p>
             <a:pPr algn="ctr"/>
             <a:r>
-              <a:rPr lang="en-US" sz="4800" dirty="0">
+              <a:rPr lang="en-US" sz="4400" dirty="0">
                 <a:solidFill>
                   <a:srgbClr val="238B45"/>
                 </a:solidFill>
@@ -3895,7 +3801,7 @@
       </p:sp>
       <p:sp>
         <p:nvSpPr>
-          <p:cNvPr id="100" name="Teardrop 99"/>
+          <p:cNvPr id="210" name="Teardrop 209"/>
           <p:cNvSpPr>
             <a:spLocks noChangeAspect="1"/>
           </p:cNvSpPr>
@@ -3943,7 +3849,7 @@
           <a:p>
             <a:pPr algn="ctr"/>
             <a:r>
-              <a:rPr lang="en-US" sz="9600" dirty="0"/>
+              <a:rPr lang="en-US" sz="8800" dirty="0"/>
               <a:t>B</a:t>
             </a:r>
           </a:p>
@@ -3951,22 +3857,20 @@
       </p:sp>
       <p:sp>
         <p:nvSpPr>
-          <p:cNvPr id="101" name="Flowchart: Alternate Process 100"/>
+          <p:cNvPr id="211" name="Flowchart: Alternate Process 210"/>
           <p:cNvSpPr/>
           <p:nvPr/>
         </p:nvSpPr>
         <p:spPr>
           <a:xfrm>
-            <a:off x="620444" y="222625"/>
-            <a:ext cx="8021905" cy="872537"/>
+            <a:off x="620444" y="272202"/>
+            <a:ext cx="8021905" cy="822960"/>
           </a:xfrm>
           <a:prstGeom prst="flowChartAlternateProcess">
             <a:avLst/>
           </a:prstGeom>
           <a:solidFill>
-            <a:srgbClr val="66C2A4">
-              <a:alpha val="45000"/>
-            </a:srgbClr>
+            <a:srgbClr val="E7E6E6"/>
           </a:solidFill>
           <a:ln>
             <a:noFill/>
@@ -3994,20 +3898,20 @@
           <a:p>
             <a:pPr algn="ctr"/>
             <a:r>
-              <a:rPr lang="en-US" sz="4800" dirty="0" smtClean="0">
+              <a:rPr lang="en-US" sz="4400" dirty="0" smtClean="0">
                 <a:solidFill>
                   <a:srgbClr val="238B45"/>
                 </a:solidFill>
               </a:rPr>
               <a:t>Fiber bundles Volume</a:t>
             </a:r>
-            <a:endParaRPr lang="en-US" sz="4800" dirty="0"/>
-          </a:p>
-        </p:txBody>
-      </p:sp>
-      <p:sp>
-        <p:nvSpPr>
-          <p:cNvPr id="102" name="Teardrop 101"/>
+            <a:endParaRPr lang="en-US" sz="4400" dirty="0"/>
+          </a:p>
+        </p:txBody>
+      </p:sp>
+      <p:sp>
+        <p:nvSpPr>
+          <p:cNvPr id="212" name="Teardrop 211"/>
           <p:cNvSpPr>
             <a:spLocks noChangeAspect="1"/>
           </p:cNvSpPr>
@@ -4055,7 +3959,7 @@
           <a:p>
             <a:pPr algn="ctr"/>
             <a:r>
-              <a:rPr lang="en-US" sz="9600" dirty="0"/>
+              <a:rPr lang="en-US" sz="8800" dirty="0"/>
               <a:t>A</a:t>
             </a:r>
           </a:p>
@@ -4063,21 +3967,21 @@
       </p:sp>
       <p:grpSp>
         <p:nvGrpSpPr>
-          <p:cNvPr id="2" name="Group 1"/>
+          <p:cNvPr id="213" name="Group 212"/>
           <p:cNvGrpSpPr/>
           <p:nvPr/>
         </p:nvGrpSpPr>
         <p:grpSpPr>
           <a:xfrm>
-            <a:off x="20750" y="7813945"/>
-            <a:ext cx="7477012" cy="7560878"/>
+            <a:off x="1371981" y="7120257"/>
+            <a:ext cx="5821973" cy="5316218"/>
             <a:chOff x="20750" y="6574424"/>
-            <a:chExt cx="7769004" cy="7856145"/>
+            <a:chExt cx="7769004" cy="7094109"/>
           </a:xfrm>
         </p:grpSpPr>
         <p:pic>
           <p:nvPicPr>
-            <p:cNvPr id="103" name="Picture 102"/>
+            <p:cNvPr id="214" name="Picture 213"/>
             <p:cNvPicPr>
               <a:picLocks noChangeAspect="1"/>
             </p:cNvPicPr>
@@ -4091,13 +3995,13 @@
                 </a:ext>
               </a:extLst>
             </a:blip>
-            <a:srcRect l="16102"/>
+            <a:srcRect l="16102" b="9700"/>
             <a:stretch/>
           </p:blipFill>
           <p:spPr>
             <a:xfrm>
               <a:off x="20750" y="6574424"/>
-              <a:ext cx="7769004" cy="7856145"/>
+              <a:ext cx="7769004" cy="7094109"/>
             </a:xfrm>
             <a:prstGeom prst="rect">
               <a:avLst/>
@@ -4106,21 +4010,21 @@
         </p:pic>
         <p:grpSp>
           <p:nvGrpSpPr>
-            <p:cNvPr id="104" name="Group 103"/>
+            <p:cNvPr id="215" name="Group 214"/>
             <p:cNvGrpSpPr/>
             <p:nvPr/>
           </p:nvGrpSpPr>
           <p:grpSpPr>
             <a:xfrm>
-              <a:off x="1577025" y="8322592"/>
-              <a:ext cx="822960" cy="1407489"/>
-              <a:chOff x="7806498" y="8686800"/>
-              <a:chExt cx="822960" cy="1407489"/>
+              <a:off x="1484058" y="8030783"/>
+              <a:ext cx="1000564" cy="1814031"/>
+              <a:chOff x="7713531" y="8394991"/>
+              <a:chExt cx="1000564" cy="1814031"/>
             </a:xfrm>
           </p:grpSpPr>
           <p:sp>
             <p:nvSpPr>
-              <p:cNvPr id="109" name="Oval 108"/>
+              <p:cNvPr id="216" name="Oval 215"/>
               <p:cNvSpPr>
                 <a:spLocks noChangeAspect="1"/>
               </p:cNvSpPr>
@@ -4128,8 +4032,8 @@
             </p:nvSpPr>
             <p:spPr>
               <a:xfrm>
-                <a:off x="7806498" y="8686800"/>
-                <a:ext cx="822960" cy="822960"/>
+                <a:off x="7713531" y="8394991"/>
+                <a:ext cx="1000564" cy="1000563"/>
               </a:xfrm>
               <a:prstGeom prst="ellipse">
                 <a:avLst/>
@@ -4182,14 +4086,14 @@
           </p:sp>
           <p:cxnSp>
             <p:nvCxnSpPr>
-              <p:cNvPr id="110" name="Straight Connector 109"/>
+              <p:cNvPr id="217" name="Straight Connector 216"/>
               <p:cNvCxnSpPr/>
               <p:nvPr/>
             </p:nvCxnSpPr>
             <p:spPr>
               <a:xfrm flipV="1">
-                <a:off x="8217978" y="9509761"/>
-                <a:ext cx="0" cy="584528"/>
+                <a:off x="8213812" y="9395556"/>
+                <a:ext cx="0" cy="813466"/>
               </a:xfrm>
               <a:prstGeom prst="line">
                 <a:avLst/>
@@ -4219,7 +4123,7 @@
       </p:grpSp>
       <p:pic>
         <p:nvPicPr>
-          <p:cNvPr id="105" name="Picture 104"/>
+          <p:cNvPr id="218" name="Picture 217"/>
           <p:cNvPicPr>
             <a:picLocks noChangeAspect="1"/>
           </p:cNvPicPr>
@@ -4233,13 +4137,13 @@
               </a:ext>
             </a:extLst>
           </a:blip>
-          <a:srcRect b="17180"/>
+          <a:srcRect l="15394" t="15828" r="15360" b="17180"/>
           <a:stretch/>
         </p:blipFill>
         <p:spPr>
           <a:xfrm>
-            <a:off x="4826302" y="8625681"/>
-            <a:ext cx="8462660" cy="5946145"/>
+            <a:off x="8421286" y="8459403"/>
+            <a:ext cx="4562876" cy="3745133"/>
           </a:xfrm>
           <a:prstGeom prst="rect">
             <a:avLst/>
@@ -4248,7 +4152,7 @@
       </p:pic>
       <p:sp>
         <p:nvSpPr>
-          <p:cNvPr id="106" name="Teardrop 105"/>
+          <p:cNvPr id="219" name="Teardrop 218"/>
           <p:cNvSpPr>
             <a:spLocks noChangeAspect="1"/>
           </p:cNvSpPr>
@@ -4256,7 +4160,7 @@
         </p:nvSpPr>
         <p:spPr>
           <a:xfrm rot="5400000">
-            <a:off x="8820859" y="7837157"/>
+            <a:off x="8820859" y="6821591"/>
             <a:ext cx="1114016" cy="1159847"/>
           </a:xfrm>
           <a:prstGeom prst="teardrop">
@@ -4296,7 +4200,7 @@
           <a:p>
             <a:pPr algn="ctr"/>
             <a:r>
-              <a:rPr lang="en-US" sz="9600" dirty="0"/>
+              <a:rPr lang="en-US" sz="8800" dirty="0"/>
               <a:t>D</a:t>
             </a:r>
           </a:p>
@@ -4304,22 +4208,20 @@
       </p:sp>
       <p:sp>
         <p:nvSpPr>
-          <p:cNvPr id="108" name="Flowchart: Alternate Process 107"/>
+          <p:cNvPr id="220" name="Flowchart: Alternate Process 219"/>
           <p:cNvSpPr/>
           <p:nvPr/>
         </p:nvSpPr>
         <p:spPr>
           <a:xfrm>
-            <a:off x="620445" y="8101552"/>
-            <a:ext cx="8021904" cy="872537"/>
+            <a:off x="620445" y="7135563"/>
+            <a:ext cx="8021904" cy="822960"/>
           </a:xfrm>
           <a:prstGeom prst="flowChartAlternateProcess">
             <a:avLst/>
           </a:prstGeom>
           <a:solidFill>
-            <a:srgbClr val="66C2A4">
-              <a:alpha val="45000"/>
-            </a:srgbClr>
+            <a:srgbClr val="E7E6E6"/>
           </a:solidFill>
           <a:ln>
             <a:noFill/>
@@ -4347,20 +4249,20 @@
           <a:p>
             <a:pPr algn="ctr"/>
             <a:r>
-              <a:rPr lang="en-US" sz="4800" dirty="0" smtClean="0">
+              <a:rPr lang="en-US" sz="4400" dirty="0" smtClean="0">
                 <a:solidFill>
                   <a:srgbClr val="238B45"/>
                 </a:solidFill>
               </a:rPr>
               <a:t>Combined Mesh </a:t>
             </a:r>
-            <a:endParaRPr lang="en-US" sz="4800" dirty="0"/>
-          </a:p>
-        </p:txBody>
-      </p:sp>
-      <p:sp>
-        <p:nvSpPr>
-          <p:cNvPr id="107" name="Teardrop 106"/>
+            <a:endParaRPr lang="en-US" sz="4400" dirty="0"/>
+          </a:p>
+        </p:txBody>
+      </p:sp>
+      <p:sp>
+        <p:nvSpPr>
+          <p:cNvPr id="221" name="Teardrop 220"/>
           <p:cNvSpPr>
             <a:spLocks noChangeAspect="1"/>
           </p:cNvSpPr>
@@ -4368,7 +4270,7 @@
         </p:nvSpPr>
         <p:spPr>
           <a:xfrm rot="5400000">
-            <a:off x="43666" y="7837157"/>
+            <a:off x="43666" y="6821591"/>
             <a:ext cx="1114016" cy="1159847"/>
           </a:xfrm>
           <a:prstGeom prst="teardrop">
@@ -4408,9 +4310,187 @@
           <a:p>
             <a:pPr algn="ctr"/>
             <a:r>
-              <a:rPr lang="en-US" sz="9600" dirty="0"/>
+              <a:rPr lang="en-US" sz="8800" dirty="0"/>
               <a:t>C</a:t>
             </a:r>
+          </a:p>
+        </p:txBody>
+      </p:sp>
+      <p:sp>
+        <p:nvSpPr>
+          <p:cNvPr id="222" name="Freeform 221"/>
+          <p:cNvSpPr/>
+          <p:nvPr/>
+        </p:nvSpPr>
+        <p:spPr>
+          <a:xfrm>
+            <a:off x="1779348" y="1246521"/>
+            <a:ext cx="7265670" cy="5486400"/>
+          </a:xfrm>
+          <a:custGeom>
+            <a:avLst/>
+            <a:gdLst>
+              <a:gd name="connsiteX0" fmla="*/ 0 w 7143750"/>
+              <a:gd name="connsiteY0" fmla="*/ 0 h 6134100"/>
+              <a:gd name="connsiteX1" fmla="*/ 7143750 w 7143750"/>
+              <a:gd name="connsiteY1" fmla="*/ 647700 h 6134100"/>
+              <a:gd name="connsiteX2" fmla="*/ 7143750 w 7143750"/>
+              <a:gd name="connsiteY2" fmla="*/ 6134100 h 6134100"/>
+              <a:gd name="connsiteX3" fmla="*/ 5810250 w 7143750"/>
+              <a:gd name="connsiteY3" fmla="*/ 5314950 h 6134100"/>
+              <a:gd name="connsiteX4" fmla="*/ 6629400 w 7143750"/>
+              <a:gd name="connsiteY4" fmla="*/ 2895600 h 6134100"/>
+              <a:gd name="connsiteX5" fmla="*/ 38100 w 7143750"/>
+              <a:gd name="connsiteY5" fmla="*/ 38100 h 6134100"/>
+              <a:gd name="connsiteX0" fmla="*/ 0 w 7143750"/>
+              <a:gd name="connsiteY0" fmla="*/ 0 h 6134100"/>
+              <a:gd name="connsiteX1" fmla="*/ 7143750 w 7143750"/>
+              <a:gd name="connsiteY1" fmla="*/ 81643 h 6134100"/>
+              <a:gd name="connsiteX2" fmla="*/ 7143750 w 7143750"/>
+              <a:gd name="connsiteY2" fmla="*/ 6134100 h 6134100"/>
+              <a:gd name="connsiteX3" fmla="*/ 5810250 w 7143750"/>
+              <a:gd name="connsiteY3" fmla="*/ 5314950 h 6134100"/>
+              <a:gd name="connsiteX4" fmla="*/ 6629400 w 7143750"/>
+              <a:gd name="connsiteY4" fmla="*/ 2895600 h 6134100"/>
+              <a:gd name="connsiteX5" fmla="*/ 38100 w 7143750"/>
+              <a:gd name="connsiteY5" fmla="*/ 38100 h 6134100"/>
+              <a:gd name="connsiteX0" fmla="*/ 0 w 7143750"/>
+              <a:gd name="connsiteY0" fmla="*/ 0 h 5568043"/>
+              <a:gd name="connsiteX1" fmla="*/ 7143750 w 7143750"/>
+              <a:gd name="connsiteY1" fmla="*/ 81643 h 5568043"/>
+              <a:gd name="connsiteX2" fmla="*/ 7143750 w 7143750"/>
+              <a:gd name="connsiteY2" fmla="*/ 5568043 h 5568043"/>
+              <a:gd name="connsiteX3" fmla="*/ 5810250 w 7143750"/>
+              <a:gd name="connsiteY3" fmla="*/ 5314950 h 5568043"/>
+              <a:gd name="connsiteX4" fmla="*/ 6629400 w 7143750"/>
+              <a:gd name="connsiteY4" fmla="*/ 2895600 h 5568043"/>
+              <a:gd name="connsiteX5" fmla="*/ 38100 w 7143750"/>
+              <a:gd name="connsiteY5" fmla="*/ 38100 h 5568043"/>
+              <a:gd name="connsiteX0" fmla="*/ 0 w 7143750"/>
+              <a:gd name="connsiteY0" fmla="*/ 0 h 5568043"/>
+              <a:gd name="connsiteX1" fmla="*/ 7143750 w 7143750"/>
+              <a:gd name="connsiteY1" fmla="*/ 81643 h 5568043"/>
+              <a:gd name="connsiteX2" fmla="*/ 7143750 w 7143750"/>
+              <a:gd name="connsiteY2" fmla="*/ 5568043 h 5568043"/>
+              <a:gd name="connsiteX3" fmla="*/ 5132070 w 7143750"/>
+              <a:gd name="connsiteY3" fmla="*/ 4941570 h 5568043"/>
+              <a:gd name="connsiteX4" fmla="*/ 6629400 w 7143750"/>
+              <a:gd name="connsiteY4" fmla="*/ 2895600 h 5568043"/>
+              <a:gd name="connsiteX5" fmla="*/ 38100 w 7143750"/>
+              <a:gd name="connsiteY5" fmla="*/ 38100 h 5568043"/>
+              <a:gd name="connsiteX0" fmla="*/ 0 w 7143750"/>
+              <a:gd name="connsiteY0" fmla="*/ 0 h 5568043"/>
+              <a:gd name="connsiteX1" fmla="*/ 7143750 w 7143750"/>
+              <a:gd name="connsiteY1" fmla="*/ 81643 h 5568043"/>
+              <a:gd name="connsiteX2" fmla="*/ 7143750 w 7143750"/>
+              <a:gd name="connsiteY2" fmla="*/ 5568043 h 5568043"/>
+              <a:gd name="connsiteX3" fmla="*/ 5132070 w 7143750"/>
+              <a:gd name="connsiteY3" fmla="*/ 4941570 h 5568043"/>
+              <a:gd name="connsiteX4" fmla="*/ 5875020 w 7143750"/>
+              <a:gd name="connsiteY4" fmla="*/ 2788920 h 5568043"/>
+              <a:gd name="connsiteX5" fmla="*/ 38100 w 7143750"/>
+              <a:gd name="connsiteY5" fmla="*/ 38100 h 5568043"/>
+              <a:gd name="connsiteX0" fmla="*/ 121920 w 7265670"/>
+              <a:gd name="connsiteY0" fmla="*/ 0 h 5568043"/>
+              <a:gd name="connsiteX1" fmla="*/ 7265670 w 7265670"/>
+              <a:gd name="connsiteY1" fmla="*/ 81643 h 5568043"/>
+              <a:gd name="connsiteX2" fmla="*/ 7265670 w 7265670"/>
+              <a:gd name="connsiteY2" fmla="*/ 5568043 h 5568043"/>
+              <a:gd name="connsiteX3" fmla="*/ 5253990 w 7265670"/>
+              <a:gd name="connsiteY3" fmla="*/ 4941570 h 5568043"/>
+              <a:gd name="connsiteX4" fmla="*/ 5996940 w 7265670"/>
+              <a:gd name="connsiteY4" fmla="*/ 2788920 h 5568043"/>
+              <a:gd name="connsiteX5" fmla="*/ 0 w 7265670"/>
+              <a:gd name="connsiteY5" fmla="*/ 213360 h 5568043"/>
+              <a:gd name="connsiteX0" fmla="*/ 7620 w 7265670"/>
+              <a:gd name="connsiteY0" fmla="*/ 93617 h 5486400"/>
+              <a:gd name="connsiteX1" fmla="*/ 7265670 w 7265670"/>
+              <a:gd name="connsiteY1" fmla="*/ 0 h 5486400"/>
+              <a:gd name="connsiteX2" fmla="*/ 7265670 w 7265670"/>
+              <a:gd name="connsiteY2" fmla="*/ 5486400 h 5486400"/>
+              <a:gd name="connsiteX3" fmla="*/ 5253990 w 7265670"/>
+              <a:gd name="connsiteY3" fmla="*/ 4859927 h 5486400"/>
+              <a:gd name="connsiteX4" fmla="*/ 5996940 w 7265670"/>
+              <a:gd name="connsiteY4" fmla="*/ 2707277 h 5486400"/>
+              <a:gd name="connsiteX5" fmla="*/ 0 w 7265670"/>
+              <a:gd name="connsiteY5" fmla="*/ 131717 h 5486400"/>
+            </a:gdLst>
+            <a:ahLst/>
+            <a:cxnLst>
+              <a:cxn ang="0">
+                <a:pos x="connsiteX0" y="connsiteY0"/>
+              </a:cxn>
+              <a:cxn ang="0">
+                <a:pos x="connsiteX1" y="connsiteY1"/>
+              </a:cxn>
+              <a:cxn ang="0">
+                <a:pos x="connsiteX2" y="connsiteY2"/>
+              </a:cxn>
+              <a:cxn ang="0">
+                <a:pos x="connsiteX3" y="connsiteY3"/>
+              </a:cxn>
+              <a:cxn ang="0">
+                <a:pos x="connsiteX4" y="connsiteY4"/>
+              </a:cxn>
+              <a:cxn ang="0">
+                <a:pos x="connsiteX5" y="connsiteY5"/>
+              </a:cxn>
+            </a:cxnLst>
+            <a:rect l="l" t="t" r="r" b="b"/>
+            <a:pathLst>
+              <a:path w="7265670" h="5486400">
+                <a:moveTo>
+                  <a:pt x="7620" y="93617"/>
+                </a:moveTo>
+                <a:lnTo>
+                  <a:pt x="7265670" y="0"/>
+                </a:lnTo>
+                <a:lnTo>
+                  <a:pt x="7265670" y="5486400"/>
+                </a:lnTo>
+                <a:lnTo>
+                  <a:pt x="5253990" y="4859927"/>
+                </a:lnTo>
+                <a:lnTo>
+                  <a:pt x="5996940" y="2707277"/>
+                </a:lnTo>
+                <a:lnTo>
+                  <a:pt x="0" y="131717"/>
+                </a:lnTo>
+              </a:path>
+            </a:pathLst>
+          </a:custGeom>
+          <a:solidFill>
+            <a:srgbClr val="66C2A4">
+              <a:alpha val="21000"/>
+            </a:srgbClr>
+          </a:solidFill>
+          <a:ln>
+            <a:prstDash val="sysDash"/>
+          </a:ln>
+        </p:spPr>
+        <p:style>
+          <a:lnRef idx="2">
+            <a:schemeClr val="accent1">
+              <a:shade val="50000"/>
+            </a:schemeClr>
+          </a:lnRef>
+          <a:fillRef idx="1">
+            <a:schemeClr val="accent1"/>
+          </a:fillRef>
+          <a:effectRef idx="0">
+            <a:schemeClr val="accent1"/>
+          </a:effectRef>
+          <a:fontRef idx="minor">
+            <a:schemeClr val="lt1"/>
+          </a:fontRef>
+        </p:style>
+        <p:txBody>
+          <a:bodyPr rtlCol="0" anchor="ctr"/>
+          <a:lstStyle/>
+          <a:p>
+            <a:pPr algn="ctr"/>
+            <a:endParaRPr lang="en-US"/>
           </a:p>
         </p:txBody>
       </p:sp>
@@ -4424,6 +4504,13 @@
   <p:clrMapOvr>
     <a:masterClrMapping/>
   </p:clrMapOvr>
+  <p:timing>
+    <p:tnLst>
+      <p:par>
+        <p:cTn id="1" dur="indefinite" restart="never" nodeType="tmRoot"/>
+      </p:par>
+    </p:tnLst>
+  </p:timing>
 </p:sld>
 </file>
 

--- a/figure8.pptx
+++ b/figure8.pptx
@@ -3431,7 +3431,7 @@
         </p:nvGrpSpPr>
         <p:grpSpPr>
           <a:xfrm>
-            <a:off x="10005117" y="1332441"/>
+            <a:off x="10005117" y="1534148"/>
             <a:ext cx="749808" cy="1407489"/>
             <a:chOff x="7806498" y="8686800"/>
             <a:chExt cx="749808" cy="1407489"/>

--- a/figure8.pptx
+++ b/figure8.pptx
@@ -3372,14 +3372,14 @@
               <a:r>
                 <a:rPr lang="en-US" sz="4400" dirty="0">
                   <a:solidFill>
-                    <a:sysClr val="windowText" lastClr="000000"/>
+                    <a:schemeClr val="bg1"/>
                   </a:solidFill>
                 </a:rPr>
                 <a:t>7</a:t>
               </a:r>
               <a:endParaRPr lang="en-US" dirty="0">
                 <a:solidFill>
-                  <a:sysClr val="windowText" lastClr="000000"/>
+                  <a:schemeClr val="bg1"/>
                 </a:solidFill>
               </a:endParaRPr>
             </a:p>
@@ -3486,14 +3486,14 @@
               <a:r>
                 <a:rPr lang="en-US" sz="4400" dirty="0">
                   <a:solidFill>
-                    <a:sysClr val="windowText" lastClr="000000"/>
+                    <a:schemeClr val="bg1"/>
                   </a:solidFill>
                 </a:rPr>
                 <a:t>7</a:t>
               </a:r>
               <a:endParaRPr lang="en-US" dirty="0">
                 <a:solidFill>
-                  <a:sysClr val="windowText" lastClr="000000"/>
+                  <a:schemeClr val="bg1"/>
                 </a:solidFill>
               </a:endParaRPr>
             </a:p>
@@ -3643,14 +3643,14 @@
                 <a:r>
                   <a:rPr lang="en-US" sz="4400" dirty="0">
                     <a:solidFill>
-                      <a:sysClr val="windowText" lastClr="000000"/>
+                      <a:schemeClr val="bg1"/>
                     </a:solidFill>
                   </a:rPr>
                   <a:t>7</a:t>
                 </a:r>
                 <a:endParaRPr lang="en-US" dirty="0">
                   <a:solidFill>
-                    <a:sysClr val="windowText" lastClr="000000"/>
+                    <a:schemeClr val="bg1"/>
                   </a:solidFill>
                 </a:endParaRPr>
               </a:p>
@@ -4069,16 +4069,16 @@
               <a:p>
                 <a:pPr algn="ctr"/>
                 <a:r>
-                  <a:rPr lang="en-US" sz="4400" dirty="0">
+                  <a:rPr lang="en-US" sz="4400" dirty="0" smtClean="0">
                     <a:solidFill>
-                      <a:sysClr val="windowText" lastClr="000000"/>
+                      <a:schemeClr val="bg1"/>
                     </a:solidFill>
                   </a:rPr>
                   <a:t>7</a:t>
                 </a:r>
                 <a:endParaRPr lang="en-US" dirty="0">
                   <a:solidFill>
-                    <a:sysClr val="windowText" lastClr="000000"/>
+                    <a:schemeClr val="bg1"/>
                   </a:solidFill>
                 </a:endParaRPr>
               </a:p>

--- a/figure8.pptx
+++ b/figure8.pptx
@@ -6,6 +6,7 @@
   </p:sldMasterIdLst>
   <p:sldIdLst>
     <p:sldId id="256" r:id="rId2"/>
+    <p:sldId id="257" r:id="rId3"/>
   </p:sldIdLst>
   <p:sldSz cx="17281525" cy="12436475"/>
   <p:notesSz cx="6858000" cy="9144000"/>
@@ -104,6 +105,22 @@
       </a:defRPr>
     </a:lvl9pPr>
   </p:defaultTextStyle>
+  <p:extLst>
+    <p:ext uri="{EFAFB233-063F-42B5-8137-9DF3F51BA10A}">
+      <p15:sldGuideLst xmlns:p15="http://schemas.microsoft.com/office/powerpoint/2012/main">
+        <p15:guide id="1" orient="horz" pos="3917">
+          <p15:clr>
+            <a:srgbClr val="A4A3A4"/>
+          </p15:clr>
+        </p15:guide>
+        <p15:guide id="2" pos="5444">
+          <p15:clr>
+            <a:srgbClr val="A4A3A4"/>
+          </p15:clr>
+        </p15:guide>
+      </p15:sldGuideLst>
+    </p:ext>
+  </p:extLst>
 </p:presentation>
 </file>
 
@@ -288,7 +305,7 @@
           <a:p>
             <a:fld id="{6F581E4E-433D-4C87-A48B-DCFE33D3777E}" type="datetimeFigureOut">
               <a:rPr lang="en-US" smtClean="0"/>
-              <a:t>9/25/2014</a:t>
+              <a:t>9/26/2014</a:t>
             </a:fld>
             <a:endParaRPr lang="en-US"/>
           </a:p>
@@ -458,7 +475,7 @@
           <a:p>
             <a:fld id="{6F581E4E-433D-4C87-A48B-DCFE33D3777E}" type="datetimeFigureOut">
               <a:rPr lang="en-US" smtClean="0"/>
-              <a:t>9/25/2014</a:t>
+              <a:t>9/26/2014</a:t>
             </a:fld>
             <a:endParaRPr lang="en-US"/>
           </a:p>
@@ -638,7 +655,7 @@
           <a:p>
             <a:fld id="{6F581E4E-433D-4C87-A48B-DCFE33D3777E}" type="datetimeFigureOut">
               <a:rPr lang="en-US" smtClean="0"/>
-              <a:t>9/25/2014</a:t>
+              <a:t>9/26/2014</a:t>
             </a:fld>
             <a:endParaRPr lang="en-US"/>
           </a:p>
@@ -808,7 +825,7 @@
           <a:p>
             <a:fld id="{6F581E4E-433D-4C87-A48B-DCFE33D3777E}" type="datetimeFigureOut">
               <a:rPr lang="en-US" smtClean="0"/>
-              <a:t>9/25/2014</a:t>
+              <a:t>9/26/2014</a:t>
             </a:fld>
             <a:endParaRPr lang="en-US"/>
           </a:p>
@@ -1054,7 +1071,7 @@
           <a:p>
             <a:fld id="{6F581E4E-433D-4C87-A48B-DCFE33D3777E}" type="datetimeFigureOut">
               <a:rPr lang="en-US" smtClean="0"/>
-              <a:t>9/25/2014</a:t>
+              <a:t>9/26/2014</a:t>
             </a:fld>
             <a:endParaRPr lang="en-US"/>
           </a:p>
@@ -1342,7 +1359,7 @@
           <a:p>
             <a:fld id="{6F581E4E-433D-4C87-A48B-DCFE33D3777E}" type="datetimeFigureOut">
               <a:rPr lang="en-US" smtClean="0"/>
-              <a:t>9/25/2014</a:t>
+              <a:t>9/26/2014</a:t>
             </a:fld>
             <a:endParaRPr lang="en-US"/>
           </a:p>
@@ -1769,7 +1786,7 @@
           <a:p>
             <a:fld id="{6F581E4E-433D-4C87-A48B-DCFE33D3777E}" type="datetimeFigureOut">
               <a:rPr lang="en-US" smtClean="0"/>
-              <a:t>9/25/2014</a:t>
+              <a:t>9/26/2014</a:t>
             </a:fld>
             <a:endParaRPr lang="en-US"/>
           </a:p>
@@ -1887,7 +1904,7 @@
           <a:p>
             <a:fld id="{6F581E4E-433D-4C87-A48B-DCFE33D3777E}" type="datetimeFigureOut">
               <a:rPr lang="en-US" smtClean="0"/>
-              <a:t>9/25/2014</a:t>
+              <a:t>9/26/2014</a:t>
             </a:fld>
             <a:endParaRPr lang="en-US"/>
           </a:p>
@@ -1982,7 +1999,7 @@
           <a:p>
             <a:fld id="{6F581E4E-433D-4C87-A48B-DCFE33D3777E}" type="datetimeFigureOut">
               <a:rPr lang="en-US" smtClean="0"/>
-              <a:t>9/25/2014</a:t>
+              <a:t>9/26/2014</a:t>
             </a:fld>
             <a:endParaRPr lang="en-US"/>
           </a:p>
@@ -2259,7 +2276,7 @@
           <a:p>
             <a:fld id="{6F581E4E-433D-4C87-A48B-DCFE33D3777E}" type="datetimeFigureOut">
               <a:rPr lang="en-US" smtClean="0"/>
-              <a:t>9/25/2014</a:t>
+              <a:t>9/26/2014</a:t>
             </a:fld>
             <a:endParaRPr lang="en-US"/>
           </a:p>
@@ -2512,7 +2529,7 @@
           <a:p>
             <a:fld id="{6F581E4E-433D-4C87-A48B-DCFE33D3777E}" type="datetimeFigureOut">
               <a:rPr lang="en-US" smtClean="0"/>
-              <a:t>9/25/2014</a:t>
+              <a:t>9/26/2014</a:t>
             </a:fld>
             <a:endParaRPr lang="en-US"/>
           </a:p>
@@ -2725,7 +2742,7 @@
           <a:p>
             <a:fld id="{6F581E4E-433D-4C87-A48B-DCFE33D3777E}" type="datetimeFigureOut">
               <a:rPr lang="en-US" smtClean="0"/>
-              <a:t>9/25/2014</a:t>
+              <a:t>9/26/2014</a:t>
             </a:fld>
             <a:endParaRPr lang="en-US"/>
           </a:p>
@@ -4514,6 +4531,1020 @@
 </p:sld>
 </file>
 
+<file path=ppt/slides/slide2.xml><?xml version="1.0" encoding="utf-8"?>
+<p:sld xmlns:a="http://schemas.openxmlformats.org/drawingml/2006/main" xmlns:r="http://schemas.openxmlformats.org/officeDocument/2006/relationships" xmlns:p="http://schemas.openxmlformats.org/presentationml/2006/main">
+  <p:cSld>
+    <p:spTree>
+      <p:nvGrpSpPr>
+        <p:cNvPr id="1" name=""/>
+        <p:cNvGrpSpPr/>
+        <p:nvPr/>
+      </p:nvGrpSpPr>
+      <p:grpSpPr>
+        <a:xfrm>
+          <a:off x="0" y="0"/>
+          <a:ext cx="0" cy="0"/>
+          <a:chOff x="0" y="0"/>
+          <a:chExt cx="0" cy="0"/>
+        </a:xfrm>
+      </p:grpSpPr>
+      <p:pic>
+        <p:nvPicPr>
+          <p:cNvPr id="5" name="Picture 4"/>
+          <p:cNvPicPr>
+            <a:picLocks noChangeAspect="1"/>
+          </p:cNvPicPr>
+          <p:nvPr/>
+        </p:nvPicPr>
+        <p:blipFill>
+          <a:blip r:embed="rId2">
+            <a:extLst>
+              <a:ext uri="{28A0092B-C50C-407E-A947-70E740481C1C}">
+                <a14:useLocalDpi xmlns:a14="http://schemas.microsoft.com/office/drawing/2010/main" val="0"/>
+              </a:ext>
+            </a:extLst>
+          </a:blip>
+          <a:stretch>
+            <a:fillRect/>
+          </a:stretch>
+        </p:blipFill>
+        <p:spPr>
+          <a:xfrm>
+            <a:off x="9707562" y="1408988"/>
+            <a:ext cx="6280041" cy="5274651"/>
+          </a:xfrm>
+          <a:prstGeom prst="rect">
+            <a:avLst/>
+          </a:prstGeom>
+        </p:spPr>
+      </p:pic>
+      <p:pic>
+        <p:nvPicPr>
+          <p:cNvPr id="16" name="Picture 15"/>
+          <p:cNvPicPr>
+            <a:picLocks noChangeAspect="1"/>
+          </p:cNvPicPr>
+          <p:nvPr/>
+        </p:nvPicPr>
+        <p:blipFill rotWithShape="1">
+          <a:blip r:embed="rId3">
+            <a:extLst>
+              <a:ext uri="{28A0092B-C50C-407E-A947-70E740481C1C}">
+                <a14:useLocalDpi xmlns:a14="http://schemas.microsoft.com/office/drawing/2010/main" val="0"/>
+              </a:ext>
+            </a:extLst>
+          </a:blip>
+          <a:srcRect t="22207" b="8412"/>
+          <a:stretch/>
+        </p:blipFill>
+        <p:spPr>
+          <a:xfrm>
+            <a:off x="10295486" y="7056439"/>
+            <a:ext cx="6458754" cy="4495799"/>
+          </a:xfrm>
+          <a:prstGeom prst="rect">
+            <a:avLst/>
+          </a:prstGeom>
+        </p:spPr>
+      </p:pic>
+      <p:pic>
+        <p:nvPicPr>
+          <p:cNvPr id="17" name="Picture 16"/>
+          <p:cNvPicPr>
+            <a:picLocks noChangeAspect="1"/>
+          </p:cNvPicPr>
+          <p:nvPr/>
+        </p:nvPicPr>
+        <p:blipFill rotWithShape="1">
+          <a:blip r:embed="rId4">
+            <a:extLst>
+              <a:ext uri="{28A0092B-C50C-407E-A947-70E740481C1C}">
+                <a14:useLocalDpi xmlns:a14="http://schemas.microsoft.com/office/drawing/2010/main" val="0"/>
+              </a:ext>
+            </a:extLst>
+          </a:blip>
+          <a:srcRect t="31785" b="6890"/>
+          <a:stretch/>
+        </p:blipFill>
+        <p:spPr>
+          <a:xfrm>
+            <a:off x="2560126" y="7056438"/>
+            <a:ext cx="6948054" cy="4495800"/>
+          </a:xfrm>
+          <a:prstGeom prst="rect">
+            <a:avLst/>
+          </a:prstGeom>
+        </p:spPr>
+      </p:pic>
+      <p:sp>
+        <p:nvSpPr>
+          <p:cNvPr id="18" name="Flowchart: Alternate Process 17"/>
+          <p:cNvSpPr/>
+          <p:nvPr/>
+        </p:nvSpPr>
+        <p:spPr>
+          <a:xfrm>
+            <a:off x="9318206" y="413294"/>
+            <a:ext cx="7855484" cy="822960"/>
+          </a:xfrm>
+          <a:prstGeom prst="flowChartAlternateProcess">
+            <a:avLst/>
+          </a:prstGeom>
+          <a:solidFill>
+            <a:srgbClr val="E7E6E6"/>
+          </a:solidFill>
+          <a:ln>
+            <a:noFill/>
+          </a:ln>
+        </p:spPr>
+        <p:style>
+          <a:lnRef idx="2">
+            <a:schemeClr val="accent1">
+              <a:shade val="50000"/>
+            </a:schemeClr>
+          </a:lnRef>
+          <a:fillRef idx="1">
+            <a:schemeClr val="accent1"/>
+          </a:fillRef>
+          <a:effectRef idx="0">
+            <a:schemeClr val="accent1"/>
+          </a:effectRef>
+          <a:fontRef idx="minor">
+            <a:schemeClr val="lt1"/>
+          </a:fontRef>
+        </p:style>
+        <p:txBody>
+          <a:bodyPr rtlCol="0" anchor="ctr"/>
+          <a:lstStyle/>
+          <a:p>
+            <a:pPr algn="ctr"/>
+            <a:r>
+              <a:rPr lang="en-US" sz="4400" dirty="0" smtClean="0">
+                <a:solidFill>
+                  <a:srgbClr val="238B45"/>
+                </a:solidFill>
+              </a:rPr>
+              <a:t>Fiber Bundles Volume</a:t>
+            </a:r>
+            <a:endParaRPr lang="en-US" sz="4400" dirty="0">
+              <a:solidFill>
+                <a:srgbClr val="238B45"/>
+              </a:solidFill>
+            </a:endParaRPr>
+          </a:p>
+        </p:txBody>
+      </p:sp>
+      <p:sp>
+        <p:nvSpPr>
+          <p:cNvPr id="19" name="Teardrop 18"/>
+          <p:cNvSpPr>
+            <a:spLocks noChangeAspect="1"/>
+          </p:cNvSpPr>
+          <p:nvPr/>
+        </p:nvSpPr>
+        <p:spPr>
+          <a:xfrm rot="5400000">
+            <a:off x="8753095" y="99322"/>
+            <a:ext cx="1114016" cy="1159847"/>
+          </a:xfrm>
+          <a:prstGeom prst="teardrop">
+            <a:avLst/>
+          </a:prstGeom>
+          <a:solidFill>
+            <a:srgbClr val="238B45"/>
+          </a:solidFill>
+          <a:ln>
+            <a:solidFill>
+              <a:schemeClr val="accent1">
+                <a:shade val="50000"/>
+                <a:alpha val="19000"/>
+              </a:schemeClr>
+            </a:solidFill>
+          </a:ln>
+        </p:spPr>
+        <p:style>
+          <a:lnRef idx="2">
+            <a:schemeClr val="accent1">
+              <a:shade val="50000"/>
+            </a:schemeClr>
+          </a:lnRef>
+          <a:fillRef idx="1">
+            <a:schemeClr val="accent1"/>
+          </a:fillRef>
+          <a:effectRef idx="0">
+            <a:schemeClr val="accent1"/>
+          </a:effectRef>
+          <a:fontRef idx="minor">
+            <a:schemeClr val="lt1"/>
+          </a:fontRef>
+        </p:style>
+        <p:txBody>
+          <a:bodyPr vert="vert270" rtlCol="0" anchor="ctr"/>
+          <a:lstStyle/>
+          <a:p>
+            <a:pPr algn="ctr"/>
+            <a:r>
+              <a:rPr lang="en-US" sz="8800" dirty="0"/>
+              <a:t>B</a:t>
+            </a:r>
+          </a:p>
+        </p:txBody>
+      </p:sp>
+      <p:sp>
+        <p:nvSpPr>
+          <p:cNvPr id="20" name="Flowchart: Alternate Process 19"/>
+          <p:cNvSpPr/>
+          <p:nvPr/>
+        </p:nvSpPr>
+        <p:spPr>
+          <a:xfrm>
+            <a:off x="620444" y="413294"/>
+            <a:ext cx="8021905" cy="822960"/>
+          </a:xfrm>
+          <a:prstGeom prst="flowChartAlternateProcess">
+            <a:avLst/>
+          </a:prstGeom>
+          <a:solidFill>
+            <a:srgbClr val="E7E6E6"/>
+          </a:solidFill>
+          <a:ln>
+            <a:noFill/>
+          </a:ln>
+        </p:spPr>
+        <p:style>
+          <a:lnRef idx="2">
+            <a:schemeClr val="accent1">
+              <a:shade val="50000"/>
+            </a:schemeClr>
+          </a:lnRef>
+          <a:fillRef idx="1">
+            <a:schemeClr val="accent1"/>
+          </a:fillRef>
+          <a:effectRef idx="0">
+            <a:schemeClr val="accent1"/>
+          </a:effectRef>
+          <a:fontRef idx="minor">
+            <a:schemeClr val="lt1"/>
+          </a:fontRef>
+        </p:style>
+        <p:txBody>
+          <a:bodyPr rtlCol="0" anchor="ctr"/>
+          <a:lstStyle/>
+          <a:p>
+            <a:pPr algn="ctr"/>
+            <a:r>
+              <a:rPr lang="en-US" sz="4400" dirty="0" smtClean="0">
+                <a:solidFill>
+                  <a:srgbClr val="238B45"/>
+                </a:solidFill>
+              </a:rPr>
+              <a:t>MetaTracts</a:t>
+            </a:r>
+            <a:endParaRPr lang="en-US" sz="4400" dirty="0"/>
+          </a:p>
+        </p:txBody>
+      </p:sp>
+      <p:sp>
+        <p:nvSpPr>
+          <p:cNvPr id="21" name="Teardrop 20"/>
+          <p:cNvSpPr>
+            <a:spLocks noChangeAspect="1"/>
+          </p:cNvSpPr>
+          <p:nvPr/>
+        </p:nvSpPr>
+        <p:spPr>
+          <a:xfrm rot="5400000">
+            <a:off x="43666" y="99322"/>
+            <a:ext cx="1114016" cy="1159847"/>
+          </a:xfrm>
+          <a:prstGeom prst="teardrop">
+            <a:avLst/>
+          </a:prstGeom>
+          <a:solidFill>
+            <a:srgbClr val="238B45"/>
+          </a:solidFill>
+          <a:ln>
+            <a:solidFill>
+              <a:schemeClr val="accent1">
+                <a:shade val="50000"/>
+                <a:alpha val="19000"/>
+              </a:schemeClr>
+            </a:solidFill>
+          </a:ln>
+        </p:spPr>
+        <p:style>
+          <a:lnRef idx="2">
+            <a:schemeClr val="accent1">
+              <a:shade val="50000"/>
+            </a:schemeClr>
+          </a:lnRef>
+          <a:fillRef idx="1">
+            <a:schemeClr val="accent1"/>
+          </a:fillRef>
+          <a:effectRef idx="0">
+            <a:schemeClr val="accent1"/>
+          </a:effectRef>
+          <a:fontRef idx="minor">
+            <a:schemeClr val="lt1"/>
+          </a:fontRef>
+        </p:style>
+        <p:txBody>
+          <a:bodyPr vert="vert270" rtlCol="0" anchor="ctr"/>
+          <a:lstStyle/>
+          <a:p>
+            <a:pPr algn="ctr"/>
+            <a:r>
+              <a:rPr lang="en-US" sz="8800" dirty="0"/>
+              <a:t>A</a:t>
+            </a:r>
+          </a:p>
+        </p:txBody>
+      </p:sp>
+      <p:pic>
+        <p:nvPicPr>
+          <p:cNvPr id="22" name="Picture 21"/>
+          <p:cNvPicPr>
+            <a:picLocks noChangeAspect="1"/>
+          </p:cNvPicPr>
+          <p:nvPr/>
+        </p:nvPicPr>
+        <p:blipFill rotWithShape="1">
+          <a:blip r:embed="rId5">
+            <a:extLst>
+              <a:ext uri="{28A0092B-C50C-407E-A947-70E740481C1C}">
+                <a14:useLocalDpi xmlns:a14="http://schemas.microsoft.com/office/drawing/2010/main" val="0"/>
+              </a:ext>
+            </a:extLst>
+          </a:blip>
+          <a:srcRect l="2951" t="5321" r="5416" b="1841"/>
+          <a:stretch/>
+        </p:blipFill>
+        <p:spPr>
+          <a:xfrm>
+            <a:off x="2290303" y="1555649"/>
+            <a:ext cx="6147719" cy="4719765"/>
+          </a:xfrm>
+          <a:prstGeom prst="rect">
+            <a:avLst/>
+          </a:prstGeom>
+        </p:spPr>
+      </p:pic>
+      <p:grpSp>
+        <p:nvGrpSpPr>
+          <p:cNvPr id="23" name="Group 22"/>
+          <p:cNvGrpSpPr>
+            <a:grpSpLocks noChangeAspect="1"/>
+          </p:cNvGrpSpPr>
+          <p:nvPr/>
+        </p:nvGrpSpPr>
+        <p:grpSpPr>
+          <a:xfrm>
+            <a:off x="11155362" y="1408988"/>
+            <a:ext cx="1142051" cy="2396833"/>
+            <a:chOff x="7085974" y="457200"/>
+            <a:chExt cx="502973" cy="1055596"/>
+          </a:xfrm>
+        </p:grpSpPr>
+        <p:sp>
+          <p:nvSpPr>
+            <p:cNvPr id="24" name="Oval 23"/>
+            <p:cNvSpPr>
+              <a:spLocks/>
+            </p:cNvSpPr>
+            <p:nvPr/>
+          </p:nvSpPr>
+          <p:spPr>
+            <a:xfrm>
+              <a:off x="7085974" y="457200"/>
+              <a:ext cx="502973" cy="502974"/>
+            </a:xfrm>
+            <a:prstGeom prst="ellipse">
+              <a:avLst/>
+            </a:prstGeom>
+            <a:solidFill>
+              <a:srgbClr val="0DE3E3"/>
+            </a:solidFill>
+            <a:ln w="60325">
+              <a:solidFill>
+                <a:srgbClr val="05314B"/>
+              </a:solidFill>
+            </a:ln>
+          </p:spPr>
+          <p:style>
+            <a:lnRef idx="2">
+              <a:schemeClr val="accent1">
+                <a:shade val="50000"/>
+              </a:schemeClr>
+            </a:lnRef>
+            <a:fillRef idx="1">
+              <a:schemeClr val="accent1"/>
+            </a:fillRef>
+            <a:effectRef idx="0">
+              <a:schemeClr val="accent1"/>
+            </a:effectRef>
+            <a:fontRef idx="minor">
+              <a:schemeClr val="lt1"/>
+            </a:fontRef>
+          </p:style>
+          <p:txBody>
+            <a:bodyPr rtlCol="0" anchor="ctr"/>
+            <a:lstStyle/>
+            <a:p>
+              <a:pPr algn="ctr"/>
+              <a:r>
+                <a:rPr lang="en-US" sz="6600" dirty="0">
+                  <a:ln w="0"/>
+                  <a:solidFill>
+                    <a:schemeClr val="tx1"/>
+                  </a:solidFill>
+                  <a:effectLst>
+                    <a:outerShdw blurRad="38100" dist="19050" dir="2700000" algn="tl" rotWithShape="0">
+                      <a:schemeClr val="dk1">
+                        <a:alpha val="40000"/>
+                      </a:schemeClr>
+                    </a:outerShdw>
+                  </a:effectLst>
+                </a:rPr>
+                <a:t>1</a:t>
+              </a:r>
+              <a:endParaRPr lang="en-US" sz="1600" dirty="0">
+                <a:ln w="0"/>
+                <a:solidFill>
+                  <a:schemeClr val="tx1"/>
+                </a:solidFill>
+                <a:effectLst>
+                  <a:outerShdw blurRad="38100" dist="19050" dir="2700000" algn="tl" rotWithShape="0">
+                    <a:schemeClr val="dk1">
+                      <a:alpha val="40000"/>
+                    </a:schemeClr>
+                  </a:outerShdw>
+                </a:effectLst>
+              </a:endParaRPr>
+            </a:p>
+          </p:txBody>
+        </p:sp>
+        <p:cxnSp>
+          <p:nvCxnSpPr>
+            <p:cNvPr id="25" name="Straight Connector 24"/>
+            <p:cNvCxnSpPr>
+              <a:stCxn id="24" idx="4"/>
+            </p:cNvCxnSpPr>
+            <p:nvPr/>
+          </p:nvCxnSpPr>
+          <p:spPr>
+            <a:xfrm>
+              <a:off x="7337461" y="960174"/>
+              <a:ext cx="9253" cy="552622"/>
+            </a:xfrm>
+            <a:prstGeom prst="line">
+              <a:avLst/>
+            </a:prstGeom>
+            <a:ln w="60325">
+              <a:solidFill>
+                <a:srgbClr val="05314B"/>
+              </a:solidFill>
+            </a:ln>
+          </p:spPr>
+          <p:style>
+            <a:lnRef idx="1">
+              <a:schemeClr val="accent1"/>
+            </a:lnRef>
+            <a:fillRef idx="0">
+              <a:schemeClr val="accent1"/>
+            </a:fillRef>
+            <a:effectRef idx="0">
+              <a:schemeClr val="accent1"/>
+            </a:effectRef>
+            <a:fontRef idx="minor">
+              <a:schemeClr val="tx1"/>
+            </a:fontRef>
+          </p:style>
+        </p:cxnSp>
+      </p:grpSp>
+      <p:grpSp>
+        <p:nvGrpSpPr>
+          <p:cNvPr id="26" name="Group 25"/>
+          <p:cNvGrpSpPr>
+            <a:grpSpLocks noChangeAspect="1"/>
+          </p:cNvGrpSpPr>
+          <p:nvPr/>
+        </p:nvGrpSpPr>
+        <p:grpSpPr>
+          <a:xfrm>
+            <a:off x="3306762" y="6683639"/>
+            <a:ext cx="1142051" cy="2396833"/>
+            <a:chOff x="7085974" y="457200"/>
+            <a:chExt cx="502973" cy="1055596"/>
+          </a:xfrm>
+        </p:grpSpPr>
+        <p:sp>
+          <p:nvSpPr>
+            <p:cNvPr id="27" name="Oval 26"/>
+            <p:cNvSpPr>
+              <a:spLocks/>
+            </p:cNvSpPr>
+            <p:nvPr/>
+          </p:nvSpPr>
+          <p:spPr>
+            <a:xfrm>
+              <a:off x="7085974" y="457200"/>
+              <a:ext cx="502973" cy="502974"/>
+            </a:xfrm>
+            <a:prstGeom prst="ellipse">
+              <a:avLst/>
+            </a:prstGeom>
+            <a:solidFill>
+              <a:srgbClr val="0C5EF7"/>
+            </a:solidFill>
+            <a:ln w="60325">
+              <a:solidFill>
+                <a:srgbClr val="05314B"/>
+              </a:solidFill>
+            </a:ln>
+          </p:spPr>
+          <p:style>
+            <a:lnRef idx="2">
+              <a:schemeClr val="accent1">
+                <a:shade val="50000"/>
+              </a:schemeClr>
+            </a:lnRef>
+            <a:fillRef idx="1">
+              <a:schemeClr val="accent1"/>
+            </a:fillRef>
+            <a:effectRef idx="0">
+              <a:schemeClr val="accent1"/>
+            </a:effectRef>
+            <a:fontRef idx="minor">
+              <a:schemeClr val="lt1"/>
+            </a:fontRef>
+          </p:style>
+          <p:txBody>
+            <a:bodyPr rtlCol="0" anchor="ctr"/>
+            <a:lstStyle/>
+            <a:p>
+              <a:pPr algn="ctr"/>
+              <a:r>
+                <a:rPr lang="en-US" sz="6600" dirty="0">
+                  <a:ln w="0"/>
+                  <a:solidFill>
+                    <a:schemeClr val="tx1"/>
+                  </a:solidFill>
+                  <a:effectLst>
+                    <a:outerShdw blurRad="38100" dist="19050" dir="2700000" algn="tl" rotWithShape="0">
+                      <a:schemeClr val="dk1">
+                        <a:alpha val="40000"/>
+                      </a:schemeClr>
+                    </a:outerShdw>
+                  </a:effectLst>
+                </a:rPr>
+                <a:t>3</a:t>
+              </a:r>
+              <a:endParaRPr lang="en-US" sz="1600" dirty="0">
+                <a:ln w="0"/>
+                <a:solidFill>
+                  <a:schemeClr val="tx1"/>
+                </a:solidFill>
+                <a:effectLst>
+                  <a:outerShdw blurRad="38100" dist="19050" dir="2700000" algn="tl" rotWithShape="0">
+                    <a:schemeClr val="dk1">
+                      <a:alpha val="40000"/>
+                    </a:schemeClr>
+                  </a:outerShdw>
+                </a:effectLst>
+              </a:endParaRPr>
+            </a:p>
+          </p:txBody>
+        </p:sp>
+        <p:cxnSp>
+          <p:nvCxnSpPr>
+            <p:cNvPr id="28" name="Straight Connector 27"/>
+            <p:cNvCxnSpPr>
+              <a:stCxn id="27" idx="4"/>
+            </p:cNvCxnSpPr>
+            <p:nvPr/>
+          </p:nvCxnSpPr>
+          <p:spPr>
+            <a:xfrm>
+              <a:off x="7337461" y="960174"/>
+              <a:ext cx="9253" cy="552622"/>
+            </a:xfrm>
+            <a:prstGeom prst="line">
+              <a:avLst/>
+            </a:prstGeom>
+            <a:ln w="60325">
+              <a:solidFill>
+                <a:srgbClr val="05314B"/>
+              </a:solidFill>
+            </a:ln>
+          </p:spPr>
+          <p:style>
+            <a:lnRef idx="1">
+              <a:schemeClr val="accent1"/>
+            </a:lnRef>
+            <a:fillRef idx="0">
+              <a:schemeClr val="accent1"/>
+            </a:fillRef>
+            <a:effectRef idx="0">
+              <a:schemeClr val="accent1"/>
+            </a:effectRef>
+            <a:fontRef idx="minor">
+              <a:schemeClr val="tx1"/>
+            </a:fontRef>
+          </p:style>
+        </p:cxnSp>
+      </p:grpSp>
+      <p:grpSp>
+        <p:nvGrpSpPr>
+          <p:cNvPr id="29" name="Group 28"/>
+          <p:cNvGrpSpPr>
+            <a:grpSpLocks noChangeAspect="1"/>
+          </p:cNvGrpSpPr>
+          <p:nvPr/>
+        </p:nvGrpSpPr>
+        <p:grpSpPr>
+          <a:xfrm>
+            <a:off x="11566529" y="6627273"/>
+            <a:ext cx="1142051" cy="2396833"/>
+            <a:chOff x="7085974" y="457200"/>
+            <a:chExt cx="502973" cy="1055596"/>
+          </a:xfrm>
+        </p:grpSpPr>
+        <p:sp>
+          <p:nvSpPr>
+            <p:cNvPr id="30" name="Oval 29"/>
+            <p:cNvSpPr>
+              <a:spLocks/>
+            </p:cNvSpPr>
+            <p:nvPr/>
+          </p:nvSpPr>
+          <p:spPr>
+            <a:xfrm>
+              <a:off x="7085974" y="457200"/>
+              <a:ext cx="502973" cy="502974"/>
+            </a:xfrm>
+            <a:prstGeom prst="ellipse">
+              <a:avLst/>
+            </a:prstGeom>
+            <a:solidFill>
+              <a:srgbClr val="78EC75"/>
+            </a:solidFill>
+            <a:ln w="60325">
+              <a:solidFill>
+                <a:srgbClr val="05314B"/>
+              </a:solidFill>
+            </a:ln>
+          </p:spPr>
+          <p:style>
+            <a:lnRef idx="2">
+              <a:schemeClr val="accent1">
+                <a:shade val="50000"/>
+              </a:schemeClr>
+            </a:lnRef>
+            <a:fillRef idx="1">
+              <a:schemeClr val="accent1"/>
+            </a:fillRef>
+            <a:effectRef idx="0">
+              <a:schemeClr val="accent1"/>
+            </a:effectRef>
+            <a:fontRef idx="minor">
+              <a:schemeClr val="lt1"/>
+            </a:fontRef>
+          </p:style>
+          <p:txBody>
+            <a:bodyPr rtlCol="0" anchor="ctr"/>
+            <a:lstStyle/>
+            <a:p>
+              <a:pPr algn="ctr"/>
+              <a:r>
+                <a:rPr lang="en-US" sz="6600" dirty="0">
+                  <a:ln w="0"/>
+                  <a:solidFill>
+                    <a:schemeClr val="tx1"/>
+                  </a:solidFill>
+                  <a:effectLst>
+                    <a:outerShdw blurRad="38100" dist="19050" dir="2700000" algn="tl" rotWithShape="0">
+                      <a:schemeClr val="dk1">
+                        <a:alpha val="40000"/>
+                      </a:schemeClr>
+                    </a:outerShdw>
+                  </a:effectLst>
+                </a:rPr>
+                <a:t>2</a:t>
+              </a:r>
+              <a:endParaRPr lang="en-US" sz="1600" dirty="0">
+                <a:ln w="0"/>
+                <a:solidFill>
+                  <a:schemeClr val="tx1"/>
+                </a:solidFill>
+                <a:effectLst>
+                  <a:outerShdw blurRad="38100" dist="19050" dir="2700000" algn="tl" rotWithShape="0">
+                    <a:schemeClr val="dk1">
+                      <a:alpha val="40000"/>
+                    </a:schemeClr>
+                  </a:outerShdw>
+                </a:effectLst>
+              </a:endParaRPr>
+            </a:p>
+          </p:txBody>
+        </p:sp>
+        <p:cxnSp>
+          <p:nvCxnSpPr>
+            <p:cNvPr id="31" name="Straight Connector 30"/>
+            <p:cNvCxnSpPr>
+              <a:stCxn id="30" idx="4"/>
+            </p:cNvCxnSpPr>
+            <p:nvPr/>
+          </p:nvCxnSpPr>
+          <p:spPr>
+            <a:xfrm>
+              <a:off x="7337461" y="960174"/>
+              <a:ext cx="9253" cy="552622"/>
+            </a:xfrm>
+            <a:prstGeom prst="line">
+              <a:avLst/>
+            </a:prstGeom>
+            <a:ln w="60325">
+              <a:solidFill>
+                <a:srgbClr val="05314B"/>
+              </a:solidFill>
+            </a:ln>
+          </p:spPr>
+          <p:style>
+            <a:lnRef idx="1">
+              <a:schemeClr val="accent1"/>
+            </a:lnRef>
+            <a:fillRef idx="0">
+              <a:schemeClr val="accent1"/>
+            </a:fillRef>
+            <a:effectRef idx="0">
+              <a:schemeClr val="accent1"/>
+            </a:effectRef>
+            <a:fontRef idx="minor">
+              <a:schemeClr val="tx1"/>
+            </a:fontRef>
+          </p:style>
+        </p:cxnSp>
+      </p:grpSp>
+      <p:grpSp>
+        <p:nvGrpSpPr>
+          <p:cNvPr id="33" name="Group 32"/>
+          <p:cNvGrpSpPr>
+            <a:grpSpLocks noChangeAspect="1"/>
+          </p:cNvGrpSpPr>
+          <p:nvPr/>
+        </p:nvGrpSpPr>
+        <p:grpSpPr>
+          <a:xfrm>
+            <a:off x="14000636" y="5858021"/>
+            <a:ext cx="1142051" cy="2396833"/>
+            <a:chOff x="7085974" y="457200"/>
+            <a:chExt cx="502973" cy="1055596"/>
+          </a:xfrm>
+        </p:grpSpPr>
+        <p:sp>
+          <p:nvSpPr>
+            <p:cNvPr id="34" name="Oval 33"/>
+            <p:cNvSpPr>
+              <a:spLocks/>
+            </p:cNvSpPr>
+            <p:nvPr/>
+          </p:nvSpPr>
+          <p:spPr>
+            <a:xfrm>
+              <a:off x="7085974" y="457200"/>
+              <a:ext cx="502973" cy="502974"/>
+            </a:xfrm>
+            <a:prstGeom prst="ellipse">
+              <a:avLst/>
+            </a:prstGeom>
+            <a:solidFill>
+              <a:srgbClr val="61953C"/>
+            </a:solidFill>
+            <a:ln w="60325">
+              <a:solidFill>
+                <a:srgbClr val="05314B"/>
+              </a:solidFill>
+            </a:ln>
+          </p:spPr>
+          <p:style>
+            <a:lnRef idx="2">
+              <a:schemeClr val="accent1">
+                <a:shade val="50000"/>
+              </a:schemeClr>
+            </a:lnRef>
+            <a:fillRef idx="1">
+              <a:schemeClr val="accent1"/>
+            </a:fillRef>
+            <a:effectRef idx="0">
+              <a:schemeClr val="accent1"/>
+            </a:effectRef>
+            <a:fontRef idx="minor">
+              <a:schemeClr val="lt1"/>
+            </a:fontRef>
+          </p:style>
+          <p:txBody>
+            <a:bodyPr rtlCol="0" anchor="ctr"/>
+            <a:lstStyle/>
+            <a:p>
+              <a:pPr algn="ctr"/>
+              <a:r>
+                <a:rPr lang="en-US" sz="6600" dirty="0">
+                  <a:ln w="0"/>
+                  <a:solidFill>
+                    <a:schemeClr val="tx1"/>
+                  </a:solidFill>
+                  <a:effectLst>
+                    <a:outerShdw blurRad="38100" dist="19050" dir="2700000" algn="tl" rotWithShape="0">
+                      <a:schemeClr val="dk1">
+                        <a:alpha val="40000"/>
+                      </a:schemeClr>
+                    </a:outerShdw>
+                  </a:effectLst>
+                </a:rPr>
+                <a:t>6</a:t>
+              </a:r>
+              <a:endParaRPr lang="en-US" sz="1600" dirty="0">
+                <a:ln w="0"/>
+                <a:solidFill>
+                  <a:schemeClr val="tx1"/>
+                </a:solidFill>
+                <a:effectLst>
+                  <a:outerShdw blurRad="38100" dist="19050" dir="2700000" algn="tl" rotWithShape="0">
+                    <a:schemeClr val="dk1">
+                      <a:alpha val="40000"/>
+                    </a:schemeClr>
+                  </a:outerShdw>
+                </a:effectLst>
+              </a:endParaRPr>
+            </a:p>
+          </p:txBody>
+        </p:sp>
+        <p:cxnSp>
+          <p:nvCxnSpPr>
+            <p:cNvPr id="35" name="Straight Connector 34"/>
+            <p:cNvCxnSpPr>
+              <a:stCxn id="34" idx="4"/>
+            </p:cNvCxnSpPr>
+            <p:nvPr/>
+          </p:nvCxnSpPr>
+          <p:spPr>
+            <a:xfrm>
+              <a:off x="7337461" y="960174"/>
+              <a:ext cx="9253" cy="552622"/>
+            </a:xfrm>
+            <a:prstGeom prst="line">
+              <a:avLst/>
+            </a:prstGeom>
+            <a:ln w="60325">
+              <a:solidFill>
+                <a:srgbClr val="05314B"/>
+              </a:solidFill>
+            </a:ln>
+          </p:spPr>
+          <p:style>
+            <a:lnRef idx="1">
+              <a:schemeClr val="accent1"/>
+            </a:lnRef>
+            <a:fillRef idx="0">
+              <a:schemeClr val="accent1"/>
+            </a:fillRef>
+            <a:effectRef idx="0">
+              <a:schemeClr val="accent1"/>
+            </a:effectRef>
+            <a:fontRef idx="minor">
+              <a:schemeClr val="tx1"/>
+            </a:fontRef>
+          </p:style>
+        </p:cxnSp>
+      </p:grpSp>
+      <p:sp>
+        <p:nvSpPr>
+          <p:cNvPr id="36" name="Flowchart: Alternate Process 35"/>
+          <p:cNvSpPr/>
+          <p:nvPr/>
+        </p:nvSpPr>
+        <p:spPr>
+          <a:xfrm>
+            <a:off x="5875170" y="11608605"/>
+            <a:ext cx="8021905" cy="822960"/>
+          </a:xfrm>
+          <a:prstGeom prst="flowChartAlternateProcess">
+            <a:avLst/>
+          </a:prstGeom>
+          <a:solidFill>
+            <a:srgbClr val="E7E6E6"/>
+          </a:solidFill>
+          <a:ln>
+            <a:noFill/>
+          </a:ln>
+        </p:spPr>
+        <p:style>
+          <a:lnRef idx="2">
+            <a:schemeClr val="accent1">
+              <a:shade val="50000"/>
+            </a:schemeClr>
+          </a:lnRef>
+          <a:fillRef idx="1">
+            <a:schemeClr val="accent1"/>
+          </a:fillRef>
+          <a:effectRef idx="0">
+            <a:schemeClr val="accent1"/>
+          </a:effectRef>
+          <a:fontRef idx="minor">
+            <a:schemeClr val="lt1"/>
+          </a:fontRef>
+        </p:style>
+        <p:txBody>
+          <a:bodyPr rtlCol="0" anchor="ctr"/>
+          <a:lstStyle/>
+          <a:p>
+            <a:pPr algn="ctr"/>
+            <a:r>
+              <a:rPr lang="en-US" sz="4400" dirty="0" smtClean="0">
+                <a:solidFill>
+                  <a:srgbClr val="238B45"/>
+                </a:solidFill>
+              </a:rPr>
+              <a:t>Interaction between bundles</a:t>
+            </a:r>
+            <a:endParaRPr lang="en-US" sz="4400" dirty="0">
+              <a:solidFill>
+                <a:srgbClr val="238B45"/>
+              </a:solidFill>
+            </a:endParaRPr>
+          </a:p>
+        </p:txBody>
+      </p:sp>
+      <p:sp>
+        <p:nvSpPr>
+          <p:cNvPr id="37" name="Teardrop 36"/>
+          <p:cNvSpPr>
+            <a:spLocks noChangeAspect="1"/>
+          </p:cNvSpPr>
+          <p:nvPr/>
+        </p:nvSpPr>
+        <p:spPr>
+          <a:xfrm rot="5400000">
+            <a:off x="5298392" y="11294633"/>
+            <a:ext cx="1114016" cy="1159847"/>
+          </a:xfrm>
+          <a:prstGeom prst="teardrop">
+            <a:avLst/>
+          </a:prstGeom>
+          <a:solidFill>
+            <a:srgbClr val="238B45"/>
+          </a:solidFill>
+          <a:ln>
+            <a:solidFill>
+              <a:schemeClr val="accent1">
+                <a:shade val="50000"/>
+                <a:alpha val="19000"/>
+              </a:schemeClr>
+            </a:solidFill>
+          </a:ln>
+        </p:spPr>
+        <p:style>
+          <a:lnRef idx="2">
+            <a:schemeClr val="accent1">
+              <a:shade val="50000"/>
+            </a:schemeClr>
+          </a:lnRef>
+          <a:fillRef idx="1">
+            <a:schemeClr val="accent1"/>
+          </a:fillRef>
+          <a:effectRef idx="0">
+            <a:schemeClr val="accent1"/>
+          </a:effectRef>
+          <a:fontRef idx="minor">
+            <a:schemeClr val="lt1"/>
+          </a:fontRef>
+        </p:style>
+        <p:txBody>
+          <a:bodyPr vert="vert270" rtlCol="0" anchor="ctr"/>
+          <a:lstStyle/>
+          <a:p>
+            <a:pPr algn="ctr"/>
+            <a:r>
+              <a:rPr lang="en-US" sz="8800" dirty="0"/>
+              <a:t>C</a:t>
+            </a:r>
+            <a:endParaRPr lang="en-US" sz="8800" dirty="0"/>
+          </a:p>
+        </p:txBody>
+      </p:sp>
+    </p:spTree>
+    <p:extLst>
+      <p:ext uri="{BB962C8B-B14F-4D97-AF65-F5344CB8AC3E}">
+        <p14:creationId xmlns:p14="http://schemas.microsoft.com/office/powerpoint/2010/main" val="564388664"/>
+      </p:ext>
+    </p:extLst>
+  </p:cSld>
+  <p:clrMapOvr>
+    <a:masterClrMapping/>
+  </p:clrMapOvr>
+</p:sld>
+</file>
+
 <file path=ppt/theme/theme1.xml><?xml version="1.0" encoding="utf-8"?>
 <a:theme xmlns:a="http://schemas.openxmlformats.org/drawingml/2006/main" name="Office Theme">
   <a:themeElements>

--- a/figure8.pptx
+++ b/figure8.pptx
@@ -6,7 +6,6 @@
   </p:sldMasterIdLst>
   <p:sldIdLst>
     <p:sldId id="256" r:id="rId2"/>
-    <p:sldId id="257" r:id="rId3"/>
   </p:sldIdLst>
   <p:sldSz cx="17281525" cy="12436475"/>
   <p:notesSz cx="6858000" cy="9144000"/>
@@ -4531,1020 +4530,6 @@
 </p:sld>
 </file>
 
-<file path=ppt/slides/slide2.xml><?xml version="1.0" encoding="utf-8"?>
-<p:sld xmlns:a="http://schemas.openxmlformats.org/drawingml/2006/main" xmlns:r="http://schemas.openxmlformats.org/officeDocument/2006/relationships" xmlns:p="http://schemas.openxmlformats.org/presentationml/2006/main">
-  <p:cSld>
-    <p:spTree>
-      <p:nvGrpSpPr>
-        <p:cNvPr id="1" name=""/>
-        <p:cNvGrpSpPr/>
-        <p:nvPr/>
-      </p:nvGrpSpPr>
-      <p:grpSpPr>
-        <a:xfrm>
-          <a:off x="0" y="0"/>
-          <a:ext cx="0" cy="0"/>
-          <a:chOff x="0" y="0"/>
-          <a:chExt cx="0" cy="0"/>
-        </a:xfrm>
-      </p:grpSpPr>
-      <p:pic>
-        <p:nvPicPr>
-          <p:cNvPr id="5" name="Picture 4"/>
-          <p:cNvPicPr>
-            <a:picLocks noChangeAspect="1"/>
-          </p:cNvPicPr>
-          <p:nvPr/>
-        </p:nvPicPr>
-        <p:blipFill>
-          <a:blip r:embed="rId2">
-            <a:extLst>
-              <a:ext uri="{28A0092B-C50C-407E-A947-70E740481C1C}">
-                <a14:useLocalDpi xmlns:a14="http://schemas.microsoft.com/office/drawing/2010/main" val="0"/>
-              </a:ext>
-            </a:extLst>
-          </a:blip>
-          <a:stretch>
-            <a:fillRect/>
-          </a:stretch>
-        </p:blipFill>
-        <p:spPr>
-          <a:xfrm>
-            <a:off x="9707562" y="1408988"/>
-            <a:ext cx="6280041" cy="5274651"/>
-          </a:xfrm>
-          <a:prstGeom prst="rect">
-            <a:avLst/>
-          </a:prstGeom>
-        </p:spPr>
-      </p:pic>
-      <p:pic>
-        <p:nvPicPr>
-          <p:cNvPr id="16" name="Picture 15"/>
-          <p:cNvPicPr>
-            <a:picLocks noChangeAspect="1"/>
-          </p:cNvPicPr>
-          <p:nvPr/>
-        </p:nvPicPr>
-        <p:blipFill rotWithShape="1">
-          <a:blip r:embed="rId3">
-            <a:extLst>
-              <a:ext uri="{28A0092B-C50C-407E-A947-70E740481C1C}">
-                <a14:useLocalDpi xmlns:a14="http://schemas.microsoft.com/office/drawing/2010/main" val="0"/>
-              </a:ext>
-            </a:extLst>
-          </a:blip>
-          <a:srcRect t="22207" b="8412"/>
-          <a:stretch/>
-        </p:blipFill>
-        <p:spPr>
-          <a:xfrm>
-            <a:off x="10295486" y="7056439"/>
-            <a:ext cx="6458754" cy="4495799"/>
-          </a:xfrm>
-          <a:prstGeom prst="rect">
-            <a:avLst/>
-          </a:prstGeom>
-        </p:spPr>
-      </p:pic>
-      <p:pic>
-        <p:nvPicPr>
-          <p:cNvPr id="17" name="Picture 16"/>
-          <p:cNvPicPr>
-            <a:picLocks noChangeAspect="1"/>
-          </p:cNvPicPr>
-          <p:nvPr/>
-        </p:nvPicPr>
-        <p:blipFill rotWithShape="1">
-          <a:blip r:embed="rId4">
-            <a:extLst>
-              <a:ext uri="{28A0092B-C50C-407E-A947-70E740481C1C}">
-                <a14:useLocalDpi xmlns:a14="http://schemas.microsoft.com/office/drawing/2010/main" val="0"/>
-              </a:ext>
-            </a:extLst>
-          </a:blip>
-          <a:srcRect t="31785" b="6890"/>
-          <a:stretch/>
-        </p:blipFill>
-        <p:spPr>
-          <a:xfrm>
-            <a:off x="2560126" y="7056438"/>
-            <a:ext cx="6948054" cy="4495800"/>
-          </a:xfrm>
-          <a:prstGeom prst="rect">
-            <a:avLst/>
-          </a:prstGeom>
-        </p:spPr>
-      </p:pic>
-      <p:sp>
-        <p:nvSpPr>
-          <p:cNvPr id="18" name="Flowchart: Alternate Process 17"/>
-          <p:cNvSpPr/>
-          <p:nvPr/>
-        </p:nvSpPr>
-        <p:spPr>
-          <a:xfrm>
-            <a:off x="9318206" y="413294"/>
-            <a:ext cx="7855484" cy="822960"/>
-          </a:xfrm>
-          <a:prstGeom prst="flowChartAlternateProcess">
-            <a:avLst/>
-          </a:prstGeom>
-          <a:solidFill>
-            <a:srgbClr val="E7E6E6"/>
-          </a:solidFill>
-          <a:ln>
-            <a:noFill/>
-          </a:ln>
-        </p:spPr>
-        <p:style>
-          <a:lnRef idx="2">
-            <a:schemeClr val="accent1">
-              <a:shade val="50000"/>
-            </a:schemeClr>
-          </a:lnRef>
-          <a:fillRef idx="1">
-            <a:schemeClr val="accent1"/>
-          </a:fillRef>
-          <a:effectRef idx="0">
-            <a:schemeClr val="accent1"/>
-          </a:effectRef>
-          <a:fontRef idx="minor">
-            <a:schemeClr val="lt1"/>
-          </a:fontRef>
-        </p:style>
-        <p:txBody>
-          <a:bodyPr rtlCol="0" anchor="ctr"/>
-          <a:lstStyle/>
-          <a:p>
-            <a:pPr algn="ctr"/>
-            <a:r>
-              <a:rPr lang="en-US" sz="4400" dirty="0" smtClean="0">
-                <a:solidFill>
-                  <a:srgbClr val="238B45"/>
-                </a:solidFill>
-              </a:rPr>
-              <a:t>Fiber Bundles Volume</a:t>
-            </a:r>
-            <a:endParaRPr lang="en-US" sz="4400" dirty="0">
-              <a:solidFill>
-                <a:srgbClr val="238B45"/>
-              </a:solidFill>
-            </a:endParaRPr>
-          </a:p>
-        </p:txBody>
-      </p:sp>
-      <p:sp>
-        <p:nvSpPr>
-          <p:cNvPr id="19" name="Teardrop 18"/>
-          <p:cNvSpPr>
-            <a:spLocks noChangeAspect="1"/>
-          </p:cNvSpPr>
-          <p:nvPr/>
-        </p:nvSpPr>
-        <p:spPr>
-          <a:xfrm rot="5400000">
-            <a:off x="8753095" y="99322"/>
-            <a:ext cx="1114016" cy="1159847"/>
-          </a:xfrm>
-          <a:prstGeom prst="teardrop">
-            <a:avLst/>
-          </a:prstGeom>
-          <a:solidFill>
-            <a:srgbClr val="238B45"/>
-          </a:solidFill>
-          <a:ln>
-            <a:solidFill>
-              <a:schemeClr val="accent1">
-                <a:shade val="50000"/>
-                <a:alpha val="19000"/>
-              </a:schemeClr>
-            </a:solidFill>
-          </a:ln>
-        </p:spPr>
-        <p:style>
-          <a:lnRef idx="2">
-            <a:schemeClr val="accent1">
-              <a:shade val="50000"/>
-            </a:schemeClr>
-          </a:lnRef>
-          <a:fillRef idx="1">
-            <a:schemeClr val="accent1"/>
-          </a:fillRef>
-          <a:effectRef idx="0">
-            <a:schemeClr val="accent1"/>
-          </a:effectRef>
-          <a:fontRef idx="minor">
-            <a:schemeClr val="lt1"/>
-          </a:fontRef>
-        </p:style>
-        <p:txBody>
-          <a:bodyPr vert="vert270" rtlCol="0" anchor="ctr"/>
-          <a:lstStyle/>
-          <a:p>
-            <a:pPr algn="ctr"/>
-            <a:r>
-              <a:rPr lang="en-US" sz="8800" dirty="0"/>
-              <a:t>B</a:t>
-            </a:r>
-          </a:p>
-        </p:txBody>
-      </p:sp>
-      <p:sp>
-        <p:nvSpPr>
-          <p:cNvPr id="20" name="Flowchart: Alternate Process 19"/>
-          <p:cNvSpPr/>
-          <p:nvPr/>
-        </p:nvSpPr>
-        <p:spPr>
-          <a:xfrm>
-            <a:off x="620444" y="413294"/>
-            <a:ext cx="8021905" cy="822960"/>
-          </a:xfrm>
-          <a:prstGeom prst="flowChartAlternateProcess">
-            <a:avLst/>
-          </a:prstGeom>
-          <a:solidFill>
-            <a:srgbClr val="E7E6E6"/>
-          </a:solidFill>
-          <a:ln>
-            <a:noFill/>
-          </a:ln>
-        </p:spPr>
-        <p:style>
-          <a:lnRef idx="2">
-            <a:schemeClr val="accent1">
-              <a:shade val="50000"/>
-            </a:schemeClr>
-          </a:lnRef>
-          <a:fillRef idx="1">
-            <a:schemeClr val="accent1"/>
-          </a:fillRef>
-          <a:effectRef idx="0">
-            <a:schemeClr val="accent1"/>
-          </a:effectRef>
-          <a:fontRef idx="minor">
-            <a:schemeClr val="lt1"/>
-          </a:fontRef>
-        </p:style>
-        <p:txBody>
-          <a:bodyPr rtlCol="0" anchor="ctr"/>
-          <a:lstStyle/>
-          <a:p>
-            <a:pPr algn="ctr"/>
-            <a:r>
-              <a:rPr lang="en-US" sz="4400" dirty="0" smtClean="0">
-                <a:solidFill>
-                  <a:srgbClr val="238B45"/>
-                </a:solidFill>
-              </a:rPr>
-              <a:t>MetaTracts</a:t>
-            </a:r>
-            <a:endParaRPr lang="en-US" sz="4400" dirty="0"/>
-          </a:p>
-        </p:txBody>
-      </p:sp>
-      <p:sp>
-        <p:nvSpPr>
-          <p:cNvPr id="21" name="Teardrop 20"/>
-          <p:cNvSpPr>
-            <a:spLocks noChangeAspect="1"/>
-          </p:cNvSpPr>
-          <p:nvPr/>
-        </p:nvSpPr>
-        <p:spPr>
-          <a:xfrm rot="5400000">
-            <a:off x="43666" y="99322"/>
-            <a:ext cx="1114016" cy="1159847"/>
-          </a:xfrm>
-          <a:prstGeom prst="teardrop">
-            <a:avLst/>
-          </a:prstGeom>
-          <a:solidFill>
-            <a:srgbClr val="238B45"/>
-          </a:solidFill>
-          <a:ln>
-            <a:solidFill>
-              <a:schemeClr val="accent1">
-                <a:shade val="50000"/>
-                <a:alpha val="19000"/>
-              </a:schemeClr>
-            </a:solidFill>
-          </a:ln>
-        </p:spPr>
-        <p:style>
-          <a:lnRef idx="2">
-            <a:schemeClr val="accent1">
-              <a:shade val="50000"/>
-            </a:schemeClr>
-          </a:lnRef>
-          <a:fillRef idx="1">
-            <a:schemeClr val="accent1"/>
-          </a:fillRef>
-          <a:effectRef idx="0">
-            <a:schemeClr val="accent1"/>
-          </a:effectRef>
-          <a:fontRef idx="minor">
-            <a:schemeClr val="lt1"/>
-          </a:fontRef>
-        </p:style>
-        <p:txBody>
-          <a:bodyPr vert="vert270" rtlCol="0" anchor="ctr"/>
-          <a:lstStyle/>
-          <a:p>
-            <a:pPr algn="ctr"/>
-            <a:r>
-              <a:rPr lang="en-US" sz="8800" dirty="0"/>
-              <a:t>A</a:t>
-            </a:r>
-          </a:p>
-        </p:txBody>
-      </p:sp>
-      <p:pic>
-        <p:nvPicPr>
-          <p:cNvPr id="22" name="Picture 21"/>
-          <p:cNvPicPr>
-            <a:picLocks noChangeAspect="1"/>
-          </p:cNvPicPr>
-          <p:nvPr/>
-        </p:nvPicPr>
-        <p:blipFill rotWithShape="1">
-          <a:blip r:embed="rId5">
-            <a:extLst>
-              <a:ext uri="{28A0092B-C50C-407E-A947-70E740481C1C}">
-                <a14:useLocalDpi xmlns:a14="http://schemas.microsoft.com/office/drawing/2010/main" val="0"/>
-              </a:ext>
-            </a:extLst>
-          </a:blip>
-          <a:srcRect l="2951" t="5321" r="5416" b="1841"/>
-          <a:stretch/>
-        </p:blipFill>
-        <p:spPr>
-          <a:xfrm>
-            <a:off x="2290303" y="1555649"/>
-            <a:ext cx="6147719" cy="4719765"/>
-          </a:xfrm>
-          <a:prstGeom prst="rect">
-            <a:avLst/>
-          </a:prstGeom>
-        </p:spPr>
-      </p:pic>
-      <p:grpSp>
-        <p:nvGrpSpPr>
-          <p:cNvPr id="23" name="Group 22"/>
-          <p:cNvGrpSpPr>
-            <a:grpSpLocks noChangeAspect="1"/>
-          </p:cNvGrpSpPr>
-          <p:nvPr/>
-        </p:nvGrpSpPr>
-        <p:grpSpPr>
-          <a:xfrm>
-            <a:off x="11155362" y="1408988"/>
-            <a:ext cx="1142051" cy="2396833"/>
-            <a:chOff x="7085974" y="457200"/>
-            <a:chExt cx="502973" cy="1055596"/>
-          </a:xfrm>
-        </p:grpSpPr>
-        <p:sp>
-          <p:nvSpPr>
-            <p:cNvPr id="24" name="Oval 23"/>
-            <p:cNvSpPr>
-              <a:spLocks/>
-            </p:cNvSpPr>
-            <p:nvPr/>
-          </p:nvSpPr>
-          <p:spPr>
-            <a:xfrm>
-              <a:off x="7085974" y="457200"/>
-              <a:ext cx="502973" cy="502974"/>
-            </a:xfrm>
-            <a:prstGeom prst="ellipse">
-              <a:avLst/>
-            </a:prstGeom>
-            <a:solidFill>
-              <a:srgbClr val="0DE3E3"/>
-            </a:solidFill>
-            <a:ln w="60325">
-              <a:solidFill>
-                <a:srgbClr val="05314B"/>
-              </a:solidFill>
-            </a:ln>
-          </p:spPr>
-          <p:style>
-            <a:lnRef idx="2">
-              <a:schemeClr val="accent1">
-                <a:shade val="50000"/>
-              </a:schemeClr>
-            </a:lnRef>
-            <a:fillRef idx="1">
-              <a:schemeClr val="accent1"/>
-            </a:fillRef>
-            <a:effectRef idx="0">
-              <a:schemeClr val="accent1"/>
-            </a:effectRef>
-            <a:fontRef idx="minor">
-              <a:schemeClr val="lt1"/>
-            </a:fontRef>
-          </p:style>
-          <p:txBody>
-            <a:bodyPr rtlCol="0" anchor="ctr"/>
-            <a:lstStyle/>
-            <a:p>
-              <a:pPr algn="ctr"/>
-              <a:r>
-                <a:rPr lang="en-US" sz="6600" dirty="0">
-                  <a:ln w="0"/>
-                  <a:solidFill>
-                    <a:schemeClr val="tx1"/>
-                  </a:solidFill>
-                  <a:effectLst>
-                    <a:outerShdw blurRad="38100" dist="19050" dir="2700000" algn="tl" rotWithShape="0">
-                      <a:schemeClr val="dk1">
-                        <a:alpha val="40000"/>
-                      </a:schemeClr>
-                    </a:outerShdw>
-                  </a:effectLst>
-                </a:rPr>
-                <a:t>1</a:t>
-              </a:r>
-              <a:endParaRPr lang="en-US" sz="1600" dirty="0">
-                <a:ln w="0"/>
-                <a:solidFill>
-                  <a:schemeClr val="tx1"/>
-                </a:solidFill>
-                <a:effectLst>
-                  <a:outerShdw blurRad="38100" dist="19050" dir="2700000" algn="tl" rotWithShape="0">
-                    <a:schemeClr val="dk1">
-                      <a:alpha val="40000"/>
-                    </a:schemeClr>
-                  </a:outerShdw>
-                </a:effectLst>
-              </a:endParaRPr>
-            </a:p>
-          </p:txBody>
-        </p:sp>
-        <p:cxnSp>
-          <p:nvCxnSpPr>
-            <p:cNvPr id="25" name="Straight Connector 24"/>
-            <p:cNvCxnSpPr>
-              <a:stCxn id="24" idx="4"/>
-            </p:cNvCxnSpPr>
-            <p:nvPr/>
-          </p:nvCxnSpPr>
-          <p:spPr>
-            <a:xfrm>
-              <a:off x="7337461" y="960174"/>
-              <a:ext cx="9253" cy="552622"/>
-            </a:xfrm>
-            <a:prstGeom prst="line">
-              <a:avLst/>
-            </a:prstGeom>
-            <a:ln w="60325">
-              <a:solidFill>
-                <a:srgbClr val="05314B"/>
-              </a:solidFill>
-            </a:ln>
-          </p:spPr>
-          <p:style>
-            <a:lnRef idx="1">
-              <a:schemeClr val="accent1"/>
-            </a:lnRef>
-            <a:fillRef idx="0">
-              <a:schemeClr val="accent1"/>
-            </a:fillRef>
-            <a:effectRef idx="0">
-              <a:schemeClr val="accent1"/>
-            </a:effectRef>
-            <a:fontRef idx="minor">
-              <a:schemeClr val="tx1"/>
-            </a:fontRef>
-          </p:style>
-        </p:cxnSp>
-      </p:grpSp>
-      <p:grpSp>
-        <p:nvGrpSpPr>
-          <p:cNvPr id="26" name="Group 25"/>
-          <p:cNvGrpSpPr>
-            <a:grpSpLocks noChangeAspect="1"/>
-          </p:cNvGrpSpPr>
-          <p:nvPr/>
-        </p:nvGrpSpPr>
-        <p:grpSpPr>
-          <a:xfrm>
-            <a:off x="3306762" y="6683639"/>
-            <a:ext cx="1142051" cy="2396833"/>
-            <a:chOff x="7085974" y="457200"/>
-            <a:chExt cx="502973" cy="1055596"/>
-          </a:xfrm>
-        </p:grpSpPr>
-        <p:sp>
-          <p:nvSpPr>
-            <p:cNvPr id="27" name="Oval 26"/>
-            <p:cNvSpPr>
-              <a:spLocks/>
-            </p:cNvSpPr>
-            <p:nvPr/>
-          </p:nvSpPr>
-          <p:spPr>
-            <a:xfrm>
-              <a:off x="7085974" y="457200"/>
-              <a:ext cx="502973" cy="502974"/>
-            </a:xfrm>
-            <a:prstGeom prst="ellipse">
-              <a:avLst/>
-            </a:prstGeom>
-            <a:solidFill>
-              <a:srgbClr val="0C5EF7"/>
-            </a:solidFill>
-            <a:ln w="60325">
-              <a:solidFill>
-                <a:srgbClr val="05314B"/>
-              </a:solidFill>
-            </a:ln>
-          </p:spPr>
-          <p:style>
-            <a:lnRef idx="2">
-              <a:schemeClr val="accent1">
-                <a:shade val="50000"/>
-              </a:schemeClr>
-            </a:lnRef>
-            <a:fillRef idx="1">
-              <a:schemeClr val="accent1"/>
-            </a:fillRef>
-            <a:effectRef idx="0">
-              <a:schemeClr val="accent1"/>
-            </a:effectRef>
-            <a:fontRef idx="minor">
-              <a:schemeClr val="lt1"/>
-            </a:fontRef>
-          </p:style>
-          <p:txBody>
-            <a:bodyPr rtlCol="0" anchor="ctr"/>
-            <a:lstStyle/>
-            <a:p>
-              <a:pPr algn="ctr"/>
-              <a:r>
-                <a:rPr lang="en-US" sz="6600" dirty="0">
-                  <a:ln w="0"/>
-                  <a:solidFill>
-                    <a:schemeClr val="tx1"/>
-                  </a:solidFill>
-                  <a:effectLst>
-                    <a:outerShdw blurRad="38100" dist="19050" dir="2700000" algn="tl" rotWithShape="0">
-                      <a:schemeClr val="dk1">
-                        <a:alpha val="40000"/>
-                      </a:schemeClr>
-                    </a:outerShdw>
-                  </a:effectLst>
-                </a:rPr>
-                <a:t>3</a:t>
-              </a:r>
-              <a:endParaRPr lang="en-US" sz="1600" dirty="0">
-                <a:ln w="0"/>
-                <a:solidFill>
-                  <a:schemeClr val="tx1"/>
-                </a:solidFill>
-                <a:effectLst>
-                  <a:outerShdw blurRad="38100" dist="19050" dir="2700000" algn="tl" rotWithShape="0">
-                    <a:schemeClr val="dk1">
-                      <a:alpha val="40000"/>
-                    </a:schemeClr>
-                  </a:outerShdw>
-                </a:effectLst>
-              </a:endParaRPr>
-            </a:p>
-          </p:txBody>
-        </p:sp>
-        <p:cxnSp>
-          <p:nvCxnSpPr>
-            <p:cNvPr id="28" name="Straight Connector 27"/>
-            <p:cNvCxnSpPr>
-              <a:stCxn id="27" idx="4"/>
-            </p:cNvCxnSpPr>
-            <p:nvPr/>
-          </p:nvCxnSpPr>
-          <p:spPr>
-            <a:xfrm>
-              <a:off x="7337461" y="960174"/>
-              <a:ext cx="9253" cy="552622"/>
-            </a:xfrm>
-            <a:prstGeom prst="line">
-              <a:avLst/>
-            </a:prstGeom>
-            <a:ln w="60325">
-              <a:solidFill>
-                <a:srgbClr val="05314B"/>
-              </a:solidFill>
-            </a:ln>
-          </p:spPr>
-          <p:style>
-            <a:lnRef idx="1">
-              <a:schemeClr val="accent1"/>
-            </a:lnRef>
-            <a:fillRef idx="0">
-              <a:schemeClr val="accent1"/>
-            </a:fillRef>
-            <a:effectRef idx="0">
-              <a:schemeClr val="accent1"/>
-            </a:effectRef>
-            <a:fontRef idx="minor">
-              <a:schemeClr val="tx1"/>
-            </a:fontRef>
-          </p:style>
-        </p:cxnSp>
-      </p:grpSp>
-      <p:grpSp>
-        <p:nvGrpSpPr>
-          <p:cNvPr id="29" name="Group 28"/>
-          <p:cNvGrpSpPr>
-            <a:grpSpLocks noChangeAspect="1"/>
-          </p:cNvGrpSpPr>
-          <p:nvPr/>
-        </p:nvGrpSpPr>
-        <p:grpSpPr>
-          <a:xfrm>
-            <a:off x="11566529" y="6627273"/>
-            <a:ext cx="1142051" cy="2396833"/>
-            <a:chOff x="7085974" y="457200"/>
-            <a:chExt cx="502973" cy="1055596"/>
-          </a:xfrm>
-        </p:grpSpPr>
-        <p:sp>
-          <p:nvSpPr>
-            <p:cNvPr id="30" name="Oval 29"/>
-            <p:cNvSpPr>
-              <a:spLocks/>
-            </p:cNvSpPr>
-            <p:nvPr/>
-          </p:nvSpPr>
-          <p:spPr>
-            <a:xfrm>
-              <a:off x="7085974" y="457200"/>
-              <a:ext cx="502973" cy="502974"/>
-            </a:xfrm>
-            <a:prstGeom prst="ellipse">
-              <a:avLst/>
-            </a:prstGeom>
-            <a:solidFill>
-              <a:srgbClr val="78EC75"/>
-            </a:solidFill>
-            <a:ln w="60325">
-              <a:solidFill>
-                <a:srgbClr val="05314B"/>
-              </a:solidFill>
-            </a:ln>
-          </p:spPr>
-          <p:style>
-            <a:lnRef idx="2">
-              <a:schemeClr val="accent1">
-                <a:shade val="50000"/>
-              </a:schemeClr>
-            </a:lnRef>
-            <a:fillRef idx="1">
-              <a:schemeClr val="accent1"/>
-            </a:fillRef>
-            <a:effectRef idx="0">
-              <a:schemeClr val="accent1"/>
-            </a:effectRef>
-            <a:fontRef idx="minor">
-              <a:schemeClr val="lt1"/>
-            </a:fontRef>
-          </p:style>
-          <p:txBody>
-            <a:bodyPr rtlCol="0" anchor="ctr"/>
-            <a:lstStyle/>
-            <a:p>
-              <a:pPr algn="ctr"/>
-              <a:r>
-                <a:rPr lang="en-US" sz="6600" dirty="0">
-                  <a:ln w="0"/>
-                  <a:solidFill>
-                    <a:schemeClr val="tx1"/>
-                  </a:solidFill>
-                  <a:effectLst>
-                    <a:outerShdw blurRad="38100" dist="19050" dir="2700000" algn="tl" rotWithShape="0">
-                      <a:schemeClr val="dk1">
-                        <a:alpha val="40000"/>
-                      </a:schemeClr>
-                    </a:outerShdw>
-                  </a:effectLst>
-                </a:rPr>
-                <a:t>2</a:t>
-              </a:r>
-              <a:endParaRPr lang="en-US" sz="1600" dirty="0">
-                <a:ln w="0"/>
-                <a:solidFill>
-                  <a:schemeClr val="tx1"/>
-                </a:solidFill>
-                <a:effectLst>
-                  <a:outerShdw blurRad="38100" dist="19050" dir="2700000" algn="tl" rotWithShape="0">
-                    <a:schemeClr val="dk1">
-                      <a:alpha val="40000"/>
-                    </a:schemeClr>
-                  </a:outerShdw>
-                </a:effectLst>
-              </a:endParaRPr>
-            </a:p>
-          </p:txBody>
-        </p:sp>
-        <p:cxnSp>
-          <p:nvCxnSpPr>
-            <p:cNvPr id="31" name="Straight Connector 30"/>
-            <p:cNvCxnSpPr>
-              <a:stCxn id="30" idx="4"/>
-            </p:cNvCxnSpPr>
-            <p:nvPr/>
-          </p:nvCxnSpPr>
-          <p:spPr>
-            <a:xfrm>
-              <a:off x="7337461" y="960174"/>
-              <a:ext cx="9253" cy="552622"/>
-            </a:xfrm>
-            <a:prstGeom prst="line">
-              <a:avLst/>
-            </a:prstGeom>
-            <a:ln w="60325">
-              <a:solidFill>
-                <a:srgbClr val="05314B"/>
-              </a:solidFill>
-            </a:ln>
-          </p:spPr>
-          <p:style>
-            <a:lnRef idx="1">
-              <a:schemeClr val="accent1"/>
-            </a:lnRef>
-            <a:fillRef idx="0">
-              <a:schemeClr val="accent1"/>
-            </a:fillRef>
-            <a:effectRef idx="0">
-              <a:schemeClr val="accent1"/>
-            </a:effectRef>
-            <a:fontRef idx="minor">
-              <a:schemeClr val="tx1"/>
-            </a:fontRef>
-          </p:style>
-        </p:cxnSp>
-      </p:grpSp>
-      <p:grpSp>
-        <p:nvGrpSpPr>
-          <p:cNvPr id="33" name="Group 32"/>
-          <p:cNvGrpSpPr>
-            <a:grpSpLocks noChangeAspect="1"/>
-          </p:cNvGrpSpPr>
-          <p:nvPr/>
-        </p:nvGrpSpPr>
-        <p:grpSpPr>
-          <a:xfrm>
-            <a:off x="14000636" y="5858021"/>
-            <a:ext cx="1142051" cy="2396833"/>
-            <a:chOff x="7085974" y="457200"/>
-            <a:chExt cx="502973" cy="1055596"/>
-          </a:xfrm>
-        </p:grpSpPr>
-        <p:sp>
-          <p:nvSpPr>
-            <p:cNvPr id="34" name="Oval 33"/>
-            <p:cNvSpPr>
-              <a:spLocks/>
-            </p:cNvSpPr>
-            <p:nvPr/>
-          </p:nvSpPr>
-          <p:spPr>
-            <a:xfrm>
-              <a:off x="7085974" y="457200"/>
-              <a:ext cx="502973" cy="502974"/>
-            </a:xfrm>
-            <a:prstGeom prst="ellipse">
-              <a:avLst/>
-            </a:prstGeom>
-            <a:solidFill>
-              <a:srgbClr val="61953C"/>
-            </a:solidFill>
-            <a:ln w="60325">
-              <a:solidFill>
-                <a:srgbClr val="05314B"/>
-              </a:solidFill>
-            </a:ln>
-          </p:spPr>
-          <p:style>
-            <a:lnRef idx="2">
-              <a:schemeClr val="accent1">
-                <a:shade val="50000"/>
-              </a:schemeClr>
-            </a:lnRef>
-            <a:fillRef idx="1">
-              <a:schemeClr val="accent1"/>
-            </a:fillRef>
-            <a:effectRef idx="0">
-              <a:schemeClr val="accent1"/>
-            </a:effectRef>
-            <a:fontRef idx="minor">
-              <a:schemeClr val="lt1"/>
-            </a:fontRef>
-          </p:style>
-          <p:txBody>
-            <a:bodyPr rtlCol="0" anchor="ctr"/>
-            <a:lstStyle/>
-            <a:p>
-              <a:pPr algn="ctr"/>
-              <a:r>
-                <a:rPr lang="en-US" sz="6600" dirty="0">
-                  <a:ln w="0"/>
-                  <a:solidFill>
-                    <a:schemeClr val="tx1"/>
-                  </a:solidFill>
-                  <a:effectLst>
-                    <a:outerShdw blurRad="38100" dist="19050" dir="2700000" algn="tl" rotWithShape="0">
-                      <a:schemeClr val="dk1">
-                        <a:alpha val="40000"/>
-                      </a:schemeClr>
-                    </a:outerShdw>
-                  </a:effectLst>
-                </a:rPr>
-                <a:t>6</a:t>
-              </a:r>
-              <a:endParaRPr lang="en-US" sz="1600" dirty="0">
-                <a:ln w="0"/>
-                <a:solidFill>
-                  <a:schemeClr val="tx1"/>
-                </a:solidFill>
-                <a:effectLst>
-                  <a:outerShdw blurRad="38100" dist="19050" dir="2700000" algn="tl" rotWithShape="0">
-                    <a:schemeClr val="dk1">
-                      <a:alpha val="40000"/>
-                    </a:schemeClr>
-                  </a:outerShdw>
-                </a:effectLst>
-              </a:endParaRPr>
-            </a:p>
-          </p:txBody>
-        </p:sp>
-        <p:cxnSp>
-          <p:nvCxnSpPr>
-            <p:cNvPr id="35" name="Straight Connector 34"/>
-            <p:cNvCxnSpPr>
-              <a:stCxn id="34" idx="4"/>
-            </p:cNvCxnSpPr>
-            <p:nvPr/>
-          </p:nvCxnSpPr>
-          <p:spPr>
-            <a:xfrm>
-              <a:off x="7337461" y="960174"/>
-              <a:ext cx="9253" cy="552622"/>
-            </a:xfrm>
-            <a:prstGeom prst="line">
-              <a:avLst/>
-            </a:prstGeom>
-            <a:ln w="60325">
-              <a:solidFill>
-                <a:srgbClr val="05314B"/>
-              </a:solidFill>
-            </a:ln>
-          </p:spPr>
-          <p:style>
-            <a:lnRef idx="1">
-              <a:schemeClr val="accent1"/>
-            </a:lnRef>
-            <a:fillRef idx="0">
-              <a:schemeClr val="accent1"/>
-            </a:fillRef>
-            <a:effectRef idx="0">
-              <a:schemeClr val="accent1"/>
-            </a:effectRef>
-            <a:fontRef idx="minor">
-              <a:schemeClr val="tx1"/>
-            </a:fontRef>
-          </p:style>
-        </p:cxnSp>
-      </p:grpSp>
-      <p:sp>
-        <p:nvSpPr>
-          <p:cNvPr id="36" name="Flowchart: Alternate Process 35"/>
-          <p:cNvSpPr/>
-          <p:nvPr/>
-        </p:nvSpPr>
-        <p:spPr>
-          <a:xfrm>
-            <a:off x="5875170" y="11608605"/>
-            <a:ext cx="8021905" cy="822960"/>
-          </a:xfrm>
-          <a:prstGeom prst="flowChartAlternateProcess">
-            <a:avLst/>
-          </a:prstGeom>
-          <a:solidFill>
-            <a:srgbClr val="E7E6E6"/>
-          </a:solidFill>
-          <a:ln>
-            <a:noFill/>
-          </a:ln>
-        </p:spPr>
-        <p:style>
-          <a:lnRef idx="2">
-            <a:schemeClr val="accent1">
-              <a:shade val="50000"/>
-            </a:schemeClr>
-          </a:lnRef>
-          <a:fillRef idx="1">
-            <a:schemeClr val="accent1"/>
-          </a:fillRef>
-          <a:effectRef idx="0">
-            <a:schemeClr val="accent1"/>
-          </a:effectRef>
-          <a:fontRef idx="minor">
-            <a:schemeClr val="lt1"/>
-          </a:fontRef>
-        </p:style>
-        <p:txBody>
-          <a:bodyPr rtlCol="0" anchor="ctr"/>
-          <a:lstStyle/>
-          <a:p>
-            <a:pPr algn="ctr"/>
-            <a:r>
-              <a:rPr lang="en-US" sz="4400" dirty="0" smtClean="0">
-                <a:solidFill>
-                  <a:srgbClr val="238B45"/>
-                </a:solidFill>
-              </a:rPr>
-              <a:t>Interaction between bundles</a:t>
-            </a:r>
-            <a:endParaRPr lang="en-US" sz="4400" dirty="0">
-              <a:solidFill>
-                <a:srgbClr val="238B45"/>
-              </a:solidFill>
-            </a:endParaRPr>
-          </a:p>
-        </p:txBody>
-      </p:sp>
-      <p:sp>
-        <p:nvSpPr>
-          <p:cNvPr id="37" name="Teardrop 36"/>
-          <p:cNvSpPr>
-            <a:spLocks noChangeAspect="1"/>
-          </p:cNvSpPr>
-          <p:nvPr/>
-        </p:nvSpPr>
-        <p:spPr>
-          <a:xfrm rot="5400000">
-            <a:off x="5298392" y="11294633"/>
-            <a:ext cx="1114016" cy="1159847"/>
-          </a:xfrm>
-          <a:prstGeom prst="teardrop">
-            <a:avLst/>
-          </a:prstGeom>
-          <a:solidFill>
-            <a:srgbClr val="238B45"/>
-          </a:solidFill>
-          <a:ln>
-            <a:solidFill>
-              <a:schemeClr val="accent1">
-                <a:shade val="50000"/>
-                <a:alpha val="19000"/>
-              </a:schemeClr>
-            </a:solidFill>
-          </a:ln>
-        </p:spPr>
-        <p:style>
-          <a:lnRef idx="2">
-            <a:schemeClr val="accent1">
-              <a:shade val="50000"/>
-            </a:schemeClr>
-          </a:lnRef>
-          <a:fillRef idx="1">
-            <a:schemeClr val="accent1"/>
-          </a:fillRef>
-          <a:effectRef idx="0">
-            <a:schemeClr val="accent1"/>
-          </a:effectRef>
-          <a:fontRef idx="minor">
-            <a:schemeClr val="lt1"/>
-          </a:fontRef>
-        </p:style>
-        <p:txBody>
-          <a:bodyPr vert="vert270" rtlCol="0" anchor="ctr"/>
-          <a:lstStyle/>
-          <a:p>
-            <a:pPr algn="ctr"/>
-            <a:r>
-              <a:rPr lang="en-US" sz="8800" dirty="0"/>
-              <a:t>C</a:t>
-            </a:r>
-            <a:endParaRPr lang="en-US" sz="8800" dirty="0"/>
-          </a:p>
-        </p:txBody>
-      </p:sp>
-    </p:spTree>
-    <p:extLst>
-      <p:ext uri="{BB962C8B-B14F-4D97-AF65-F5344CB8AC3E}">
-        <p14:creationId xmlns:p14="http://schemas.microsoft.com/office/powerpoint/2010/main" val="564388664"/>
-      </p:ext>
-    </p:extLst>
-  </p:cSld>
-  <p:clrMapOvr>
-    <a:masterClrMapping/>
-  </p:clrMapOvr>
-</p:sld>
-</file>
-
 <file path=ppt/theme/theme1.xml><?xml version="1.0" encoding="utf-8"?>
 <a:theme xmlns:a="http://schemas.openxmlformats.org/drawingml/2006/main" name="Office Theme">
   <a:themeElements>

--- a/figure8.pptx
+++ b/figure8.pptx
@@ -106,7 +106,7 @@
   </p:defaultTextStyle>
   <p:extLst>
     <p:ext uri="{EFAFB233-063F-42B5-8137-9DF3F51BA10A}">
-      <p15:sldGuideLst xmlns:p15="http://schemas.microsoft.com/office/powerpoint/2012/main">
+      <p15:sldGuideLst xmlns:p15="http://schemas.microsoft.com/office/powerpoint/2012/main" xmlns="">
         <p15:guide id="1" orient="horz" pos="3917">
           <p15:clr>
             <a:srgbClr val="A4A3A4"/>
@@ -304,7 +304,7 @@
           <a:p>
             <a:fld id="{6F581E4E-433D-4C87-A48B-DCFE33D3777E}" type="datetimeFigureOut">
               <a:rPr lang="en-US" smtClean="0"/>
-              <a:t>9/26/2014</a:t>
+              <a:t>12/10/2014</a:t>
             </a:fld>
             <a:endParaRPr lang="en-US"/>
           </a:p>
@@ -474,7 +474,7 @@
           <a:p>
             <a:fld id="{6F581E4E-433D-4C87-A48B-DCFE33D3777E}" type="datetimeFigureOut">
               <a:rPr lang="en-US" smtClean="0"/>
-              <a:t>9/26/2014</a:t>
+              <a:t>12/10/2014</a:t>
             </a:fld>
             <a:endParaRPr lang="en-US"/>
           </a:p>
@@ -654,7 +654,7 @@
           <a:p>
             <a:fld id="{6F581E4E-433D-4C87-A48B-DCFE33D3777E}" type="datetimeFigureOut">
               <a:rPr lang="en-US" smtClean="0"/>
-              <a:t>9/26/2014</a:t>
+              <a:t>12/10/2014</a:t>
             </a:fld>
             <a:endParaRPr lang="en-US"/>
           </a:p>
@@ -824,7 +824,7 @@
           <a:p>
             <a:fld id="{6F581E4E-433D-4C87-A48B-DCFE33D3777E}" type="datetimeFigureOut">
               <a:rPr lang="en-US" smtClean="0"/>
-              <a:t>9/26/2014</a:t>
+              <a:t>12/10/2014</a:t>
             </a:fld>
             <a:endParaRPr lang="en-US"/>
           </a:p>
@@ -1070,7 +1070,7 @@
           <a:p>
             <a:fld id="{6F581E4E-433D-4C87-A48B-DCFE33D3777E}" type="datetimeFigureOut">
               <a:rPr lang="en-US" smtClean="0"/>
-              <a:t>9/26/2014</a:t>
+              <a:t>12/10/2014</a:t>
             </a:fld>
             <a:endParaRPr lang="en-US"/>
           </a:p>
@@ -1358,7 +1358,7 @@
           <a:p>
             <a:fld id="{6F581E4E-433D-4C87-A48B-DCFE33D3777E}" type="datetimeFigureOut">
               <a:rPr lang="en-US" smtClean="0"/>
-              <a:t>9/26/2014</a:t>
+              <a:t>12/10/2014</a:t>
             </a:fld>
             <a:endParaRPr lang="en-US"/>
           </a:p>
@@ -1785,7 +1785,7 @@
           <a:p>
             <a:fld id="{6F581E4E-433D-4C87-A48B-DCFE33D3777E}" type="datetimeFigureOut">
               <a:rPr lang="en-US" smtClean="0"/>
-              <a:t>9/26/2014</a:t>
+              <a:t>12/10/2014</a:t>
             </a:fld>
             <a:endParaRPr lang="en-US"/>
           </a:p>
@@ -1903,7 +1903,7 @@
           <a:p>
             <a:fld id="{6F581E4E-433D-4C87-A48B-DCFE33D3777E}" type="datetimeFigureOut">
               <a:rPr lang="en-US" smtClean="0"/>
-              <a:t>9/26/2014</a:t>
+              <a:t>12/10/2014</a:t>
             </a:fld>
             <a:endParaRPr lang="en-US"/>
           </a:p>
@@ -1998,7 +1998,7 @@
           <a:p>
             <a:fld id="{6F581E4E-433D-4C87-A48B-DCFE33D3777E}" type="datetimeFigureOut">
               <a:rPr lang="en-US" smtClean="0"/>
-              <a:t>9/26/2014</a:t>
+              <a:t>12/10/2014</a:t>
             </a:fld>
             <a:endParaRPr lang="en-US"/>
           </a:p>
@@ -2275,7 +2275,7 @@
           <a:p>
             <a:fld id="{6F581E4E-433D-4C87-A48B-DCFE33D3777E}" type="datetimeFigureOut">
               <a:rPr lang="en-US" smtClean="0"/>
-              <a:t>9/26/2014</a:t>
+              <a:t>12/10/2014</a:t>
             </a:fld>
             <a:endParaRPr lang="en-US"/>
           </a:p>
@@ -2528,7 +2528,7 @@
           <a:p>
             <a:fld id="{6F581E4E-433D-4C87-A48B-DCFE33D3777E}" type="datetimeFigureOut">
               <a:rPr lang="en-US" smtClean="0"/>
-              <a:t>9/26/2014</a:t>
+              <a:t>12/10/2014</a:t>
             </a:fld>
             <a:endParaRPr lang="en-US"/>
           </a:p>
@@ -2741,7 +2741,7 @@
           <a:p>
             <a:fld id="{6F581E4E-433D-4C87-A48B-DCFE33D3777E}" type="datetimeFigureOut">
               <a:rPr lang="en-US" smtClean="0"/>
-              <a:t>9/26/2014</a:t>
+              <a:t>12/10/2014</a:t>
             </a:fld>
             <a:endParaRPr lang="en-US"/>
           </a:p>
